--- a/Präsentation/it_recht_gema_youtube_final.pptx
+++ b/Präsentation/it_recht_gema_youtube_final.pptx
@@ -6330,35 +6330,35 @@
     </dgm:pt>
   </dgm:ptLst>
   <dgm:cxnLst>
+    <dgm:cxn modelId="{15668DAB-B2E2-40B1-8C3B-46F71F520E92}" type="presOf" srcId="{5A57173F-999D-463D-8D0A-875673EC7624}" destId="{108CDE68-479E-4734-8347-36BC16C3B20C}" srcOrd="0" destOrd="1" presId="urn:microsoft.com/office/officeart/2005/8/layout/hList1"/>
+    <dgm:cxn modelId="{C287A2AF-0D21-49D8-B7FF-2BD532A19B9A}" type="presOf" srcId="{7F6225C5-8A7D-4C8D-8E4A-7E197D96BF5D}" destId="{108CDE68-479E-4734-8347-36BC16C3B20C}" srcOrd="0" destOrd="0" presId="urn:microsoft.com/office/officeart/2005/8/layout/hList1"/>
+    <dgm:cxn modelId="{FD8D4910-3CAB-4488-B26F-8D1ED03D5233}" type="presOf" srcId="{A9BEEC98-17A0-4FFF-A1D2-C7C8FDF3EA89}" destId="{1F162370-80CD-4559-9290-2107E36B9CE1}" srcOrd="0" destOrd="2" presId="urn:microsoft.com/office/officeart/2005/8/layout/hList1"/>
+    <dgm:cxn modelId="{ABFFA043-7093-477B-8762-9D269EEFA65E}" srcId="{77F5B6F8-FB2A-4F73-ABCC-6DBD287C8DA8}" destId="{65A55FFA-462D-4A71-8BD0-45554038FA9E}" srcOrd="1" destOrd="0" parTransId="{103EFDD2-D42B-4B2A-8851-AD8CB0B1B080}" sibTransId="{B3568650-B8AD-4756-93CC-B92F12D8890E}"/>
+    <dgm:cxn modelId="{AF3CA64E-645F-4525-8223-912594CC5B8E}" srcId="{C29FF73F-9C89-4065-95C4-9685DFA32552}" destId="{5A57173F-999D-463D-8D0A-875673EC7624}" srcOrd="1" destOrd="0" parTransId="{9A8B43D7-88AA-4091-9540-9E41CD708698}" sibTransId="{67DD66D3-E3CB-4BD2-8C52-49F1FBABF890}"/>
+    <dgm:cxn modelId="{7EC085A8-049E-4C77-80AD-8FC65C5DBE6A}" srcId="{72FDE33F-EB74-4AB8-B828-FD01D5145B4A}" destId="{6352142A-607E-44B9-AC1F-34224E73E38B}" srcOrd="3" destOrd="0" parTransId="{83888416-E537-4115-BE8A-BE3958557D79}" sibTransId="{C8FFB5F2-7169-4913-B9B7-993B2AC3E0B4}"/>
+    <dgm:cxn modelId="{CCC7AF4B-65EA-4E9C-A281-B1335335660B}" type="presOf" srcId="{4411CCFE-51D4-4CF5-89A9-A89CE8BF16D8}" destId="{108CDE68-479E-4734-8347-36BC16C3B20C}" srcOrd="0" destOrd="2" presId="urn:microsoft.com/office/officeart/2005/8/layout/hList1"/>
+    <dgm:cxn modelId="{B4653016-C927-4525-9B51-2F31AE7926E5}" srcId="{D652B0E8-2CD1-4F83-8689-99B0978BBA28}" destId="{72FDE33F-EB74-4AB8-B828-FD01D5145B4A}" srcOrd="1" destOrd="0" parTransId="{A4EFB647-1EF1-4704-9247-C2CBA749AB80}" sibTransId="{5ED593AB-61B2-4FA6-950F-8B588CF29514}"/>
+    <dgm:cxn modelId="{D77A2417-355E-4859-BFA5-BEA5AD818DF8}" type="presOf" srcId="{5E803657-19FB-4E87-9227-DDA8DC45946D}" destId="{1F162370-80CD-4559-9290-2107E36B9CE1}" srcOrd="0" destOrd="1" presId="urn:microsoft.com/office/officeart/2005/8/layout/hList1"/>
+    <dgm:cxn modelId="{D6075189-A3DA-4C95-87E6-BC86D78CA14A}" srcId="{C29FF73F-9C89-4065-95C4-9685DFA32552}" destId="{4411CCFE-51D4-4CF5-89A9-A89CE8BF16D8}" srcOrd="2" destOrd="0" parTransId="{59A2C715-D00A-4245-9698-6164D3A2579B}" sibTransId="{E1868013-5554-4FCA-9C7E-1716065E20BD}"/>
+    <dgm:cxn modelId="{9A1A477A-D626-44D0-91A5-500416BE0B47}" srcId="{72FDE33F-EB74-4AB8-B828-FD01D5145B4A}" destId="{5E803657-19FB-4E87-9227-DDA8DC45946D}" srcOrd="1" destOrd="0" parTransId="{653BF1CA-E0C2-4377-BC9D-13BD15FE58E2}" sibTransId="{7D59F221-0B50-4363-BDD4-2A278E6AD84D}"/>
+    <dgm:cxn modelId="{6756AAE7-4F66-44EF-A8EF-C44E7F5B5777}" type="presOf" srcId="{C526FF21-6345-4F5A-BC61-F3163A9D1B80}" destId="{82EC25B9-AEB0-4E75-8D59-98364ED6D3AB}" srcOrd="0" destOrd="0" presId="urn:microsoft.com/office/officeart/2005/8/layout/hList1"/>
+    <dgm:cxn modelId="{35A7DCFE-FEEF-44F3-ABA8-1B957F4467B5}" type="presOf" srcId="{65A55FFA-462D-4A71-8BD0-45554038FA9E}" destId="{82EC25B9-AEB0-4E75-8D59-98364ED6D3AB}" srcOrd="0" destOrd="1" presId="urn:microsoft.com/office/officeart/2005/8/layout/hList1"/>
+    <dgm:cxn modelId="{4714116F-7BC3-417C-8E2F-BEFF25C81D9D}" type="presOf" srcId="{6352142A-607E-44B9-AC1F-34224E73E38B}" destId="{1F162370-80CD-4559-9290-2107E36B9CE1}" srcOrd="0" destOrd="3" presId="urn:microsoft.com/office/officeart/2005/8/layout/hList1"/>
     <dgm:cxn modelId="{7977A00E-AA3A-4F45-9005-EC5033CE170F}" srcId="{77F5B6F8-FB2A-4F73-ABCC-6DBD287C8DA8}" destId="{CAB38E6F-EE9C-4A21-923D-B981C1CEBF0E}" srcOrd="2" destOrd="0" parTransId="{2B623733-CAE7-4975-B1A3-ED9B298B12ED}" sibTransId="{C6B3EB46-5410-4787-AD91-417BDFD745C7}"/>
+    <dgm:cxn modelId="{B65F55ED-A2FF-44F2-A77B-A62E1BEB837C}" srcId="{C29FF73F-9C89-4065-95C4-9685DFA32552}" destId="{097444E9-5140-4844-94CB-8FC275F4B74F}" srcOrd="3" destOrd="0" parTransId="{7CFAC195-69BA-4238-879B-DC9B36EE9D6D}" sibTransId="{A9727093-ACF8-4F1D-8A28-6B9E06B13574}"/>
+    <dgm:cxn modelId="{5DF93FCE-2747-496B-8C46-6BF7EED5C9DC}" srcId="{77F5B6F8-FB2A-4F73-ABCC-6DBD287C8DA8}" destId="{C526FF21-6345-4F5A-BC61-F3163A9D1B80}" srcOrd="0" destOrd="0" parTransId="{79AB5AC8-9D21-414F-885B-1BFF2C7C1B08}" sibTransId="{D23F78A9-141D-43AB-8ECF-4ED85738811B}"/>
+    <dgm:cxn modelId="{898BD635-FF91-40BF-B648-AF68FE4B9AD7}" type="presOf" srcId="{097444E9-5140-4844-94CB-8FC275F4B74F}" destId="{108CDE68-479E-4734-8347-36BC16C3B20C}" srcOrd="0" destOrd="3" presId="urn:microsoft.com/office/officeart/2005/8/layout/hList1"/>
+    <dgm:cxn modelId="{5374BBB0-6D33-4666-A647-4CFDAD6AAC6F}" srcId="{72FDE33F-EB74-4AB8-B828-FD01D5145B4A}" destId="{A9BEEC98-17A0-4FFF-A1D2-C7C8FDF3EA89}" srcOrd="2" destOrd="0" parTransId="{4876F7FF-0901-479C-9AD3-DD7758F61E2A}" sibTransId="{6BFE5963-DBE7-4FF7-A3EB-B5E59BBBFE63}"/>
+    <dgm:cxn modelId="{F55A3E50-7CD6-4B0C-9822-429838D214EE}" type="presOf" srcId="{72FDE33F-EB74-4AB8-B828-FD01D5145B4A}" destId="{8338512F-4F26-4C6F-AFF7-3750D13D284C}" srcOrd="0" destOrd="0" presId="urn:microsoft.com/office/officeart/2005/8/layout/hList1"/>
+    <dgm:cxn modelId="{EE9460F9-A575-4D75-802F-87C48D5D4983}" srcId="{D652B0E8-2CD1-4F83-8689-99B0978BBA28}" destId="{77F5B6F8-FB2A-4F73-ABCC-6DBD287C8DA8}" srcOrd="0" destOrd="0" parTransId="{6F582192-FBBE-4FFF-AFF9-4979074F0618}" sibTransId="{DA3C1860-5039-42CC-999E-C069838F28A6}"/>
+    <dgm:cxn modelId="{EA8844FC-5549-4373-9D53-3D07DA09C30F}" type="presOf" srcId="{C29FF73F-9C89-4065-95C4-9685DFA32552}" destId="{310F234B-D803-4C55-BB38-17F55E347520}" srcOrd="0" destOrd="0" presId="urn:microsoft.com/office/officeart/2005/8/layout/hList1"/>
+    <dgm:cxn modelId="{C66AC95D-2E60-42FD-89D0-8661E05C12A1}" type="presOf" srcId="{0981F120-E998-467E-97BC-4D7AAFAFF94E}" destId="{1F162370-80CD-4559-9290-2107E36B9CE1}" srcOrd="0" destOrd="0" presId="urn:microsoft.com/office/officeart/2005/8/layout/hList1"/>
+    <dgm:cxn modelId="{E900BBFD-A016-4CAE-AF9D-89D83B5EB1D0}" srcId="{C29FF73F-9C89-4065-95C4-9685DFA32552}" destId="{7F6225C5-8A7D-4C8D-8E4A-7E197D96BF5D}" srcOrd="0" destOrd="0" parTransId="{A08B712A-9242-4962-AAD7-5AD8859DC2D5}" sibTransId="{51277D52-2C23-4ABA-8CF8-646006B8E639}"/>
     <dgm:cxn modelId="{6FB74E86-5309-411E-8C71-E3A82073ECB6}" type="presOf" srcId="{CAB38E6F-EE9C-4A21-923D-B981C1CEBF0E}" destId="{82EC25B9-AEB0-4E75-8D59-98364ED6D3AB}" srcOrd="0" destOrd="2" presId="urn:microsoft.com/office/officeart/2005/8/layout/hList1"/>
-    <dgm:cxn modelId="{898BD635-FF91-40BF-B648-AF68FE4B9AD7}" type="presOf" srcId="{097444E9-5140-4844-94CB-8FC275F4B74F}" destId="{108CDE68-479E-4734-8347-36BC16C3B20C}" srcOrd="0" destOrd="3" presId="urn:microsoft.com/office/officeart/2005/8/layout/hList1"/>
-    <dgm:cxn modelId="{AF3CA64E-645F-4525-8223-912594CC5B8E}" srcId="{C29FF73F-9C89-4065-95C4-9685DFA32552}" destId="{5A57173F-999D-463D-8D0A-875673EC7624}" srcOrd="1" destOrd="0" parTransId="{9A8B43D7-88AA-4091-9540-9E41CD708698}" sibTransId="{67DD66D3-E3CB-4BD2-8C52-49F1FBABF890}"/>
-    <dgm:cxn modelId="{5DF93FCE-2747-496B-8C46-6BF7EED5C9DC}" srcId="{77F5B6F8-FB2A-4F73-ABCC-6DBD287C8DA8}" destId="{C526FF21-6345-4F5A-BC61-F3163A9D1B80}" srcOrd="0" destOrd="0" parTransId="{79AB5AC8-9D21-414F-885B-1BFF2C7C1B08}" sibTransId="{D23F78A9-141D-43AB-8ECF-4ED85738811B}"/>
-    <dgm:cxn modelId="{9A1A477A-D626-44D0-91A5-500416BE0B47}" srcId="{72FDE33F-EB74-4AB8-B828-FD01D5145B4A}" destId="{5E803657-19FB-4E87-9227-DDA8DC45946D}" srcOrd="1" destOrd="0" parTransId="{653BF1CA-E0C2-4377-BC9D-13BD15FE58E2}" sibTransId="{7D59F221-0B50-4363-BDD4-2A278E6AD84D}"/>
-    <dgm:cxn modelId="{7EC085A8-049E-4C77-80AD-8FC65C5DBE6A}" srcId="{72FDE33F-EB74-4AB8-B828-FD01D5145B4A}" destId="{6352142A-607E-44B9-AC1F-34224E73E38B}" srcOrd="3" destOrd="0" parTransId="{83888416-E537-4115-BE8A-BE3958557D79}" sibTransId="{C8FFB5F2-7169-4913-B9B7-993B2AC3E0B4}"/>
-    <dgm:cxn modelId="{FD8D4910-3CAB-4488-B26F-8D1ED03D5233}" type="presOf" srcId="{A9BEEC98-17A0-4FFF-A1D2-C7C8FDF3EA89}" destId="{1F162370-80CD-4559-9290-2107E36B9CE1}" srcOrd="0" destOrd="2" presId="urn:microsoft.com/office/officeart/2005/8/layout/hList1"/>
-    <dgm:cxn modelId="{CCC7AF4B-65EA-4E9C-A281-B1335335660B}" type="presOf" srcId="{4411CCFE-51D4-4CF5-89A9-A89CE8BF16D8}" destId="{108CDE68-479E-4734-8347-36BC16C3B20C}" srcOrd="0" destOrd="2" presId="urn:microsoft.com/office/officeart/2005/8/layout/hList1"/>
-    <dgm:cxn modelId="{D6075189-A3DA-4C95-87E6-BC86D78CA14A}" srcId="{C29FF73F-9C89-4065-95C4-9685DFA32552}" destId="{4411CCFE-51D4-4CF5-89A9-A89CE8BF16D8}" srcOrd="2" destOrd="0" parTransId="{59A2C715-D00A-4245-9698-6164D3A2579B}" sibTransId="{E1868013-5554-4FCA-9C7E-1716065E20BD}"/>
-    <dgm:cxn modelId="{ABFFA043-7093-477B-8762-9D269EEFA65E}" srcId="{77F5B6F8-FB2A-4F73-ABCC-6DBD287C8DA8}" destId="{65A55FFA-462D-4A71-8BD0-45554038FA9E}" srcOrd="1" destOrd="0" parTransId="{103EFDD2-D42B-4B2A-8851-AD8CB0B1B080}" sibTransId="{B3568650-B8AD-4756-93CC-B92F12D8890E}"/>
-    <dgm:cxn modelId="{4714116F-7BC3-417C-8E2F-BEFF25C81D9D}" type="presOf" srcId="{6352142A-607E-44B9-AC1F-34224E73E38B}" destId="{1F162370-80CD-4559-9290-2107E36B9CE1}" srcOrd="0" destOrd="3" presId="urn:microsoft.com/office/officeart/2005/8/layout/hList1"/>
-    <dgm:cxn modelId="{B65F55ED-A2FF-44F2-A77B-A62E1BEB837C}" srcId="{C29FF73F-9C89-4065-95C4-9685DFA32552}" destId="{097444E9-5140-4844-94CB-8FC275F4B74F}" srcOrd="3" destOrd="0" parTransId="{7CFAC195-69BA-4238-879B-DC9B36EE9D6D}" sibTransId="{A9727093-ACF8-4F1D-8A28-6B9E06B13574}"/>
-    <dgm:cxn modelId="{D77A2417-355E-4859-BFA5-BEA5AD818DF8}" type="presOf" srcId="{5E803657-19FB-4E87-9227-DDA8DC45946D}" destId="{1F162370-80CD-4559-9290-2107E36B9CE1}" srcOrd="0" destOrd="1" presId="urn:microsoft.com/office/officeart/2005/8/layout/hList1"/>
-    <dgm:cxn modelId="{EE9460F9-A575-4D75-802F-87C48D5D4983}" srcId="{D652B0E8-2CD1-4F83-8689-99B0978BBA28}" destId="{77F5B6F8-FB2A-4F73-ABCC-6DBD287C8DA8}" srcOrd="0" destOrd="0" parTransId="{6F582192-FBBE-4FFF-AFF9-4979074F0618}" sibTransId="{DA3C1860-5039-42CC-999E-C069838F28A6}"/>
-    <dgm:cxn modelId="{15668DAB-B2E2-40B1-8C3B-46F71F520E92}" type="presOf" srcId="{5A57173F-999D-463D-8D0A-875673EC7624}" destId="{108CDE68-479E-4734-8347-36BC16C3B20C}" srcOrd="0" destOrd="1" presId="urn:microsoft.com/office/officeart/2005/8/layout/hList1"/>
-    <dgm:cxn modelId="{B4653016-C927-4525-9B51-2F31AE7926E5}" srcId="{D652B0E8-2CD1-4F83-8689-99B0978BBA28}" destId="{72FDE33F-EB74-4AB8-B828-FD01D5145B4A}" srcOrd="1" destOrd="0" parTransId="{A4EFB647-1EF1-4704-9247-C2CBA749AB80}" sibTransId="{5ED593AB-61B2-4FA6-950F-8B588CF29514}"/>
-    <dgm:cxn modelId="{6756AAE7-4F66-44EF-A8EF-C44E7F5B5777}" type="presOf" srcId="{C526FF21-6345-4F5A-BC61-F3163A9D1B80}" destId="{82EC25B9-AEB0-4E75-8D59-98364ED6D3AB}" srcOrd="0" destOrd="0" presId="urn:microsoft.com/office/officeart/2005/8/layout/hList1"/>
-    <dgm:cxn modelId="{EA8844FC-5549-4373-9D53-3D07DA09C30F}" type="presOf" srcId="{C29FF73F-9C89-4065-95C4-9685DFA32552}" destId="{310F234B-D803-4C55-BB38-17F55E347520}" srcOrd="0" destOrd="0" presId="urn:microsoft.com/office/officeart/2005/8/layout/hList1"/>
-    <dgm:cxn modelId="{5374BBB0-6D33-4666-A647-4CFDAD6AAC6F}" srcId="{72FDE33F-EB74-4AB8-B828-FD01D5145B4A}" destId="{A9BEEC98-17A0-4FFF-A1D2-C7C8FDF3EA89}" srcOrd="2" destOrd="0" parTransId="{4876F7FF-0901-479C-9AD3-DD7758F61E2A}" sibTransId="{6BFE5963-DBE7-4FF7-A3EB-B5E59BBBFE63}"/>
+    <dgm:cxn modelId="{92EF0DBE-FD47-40F7-9C62-6AFA85C39462}" type="presOf" srcId="{77F5B6F8-FB2A-4F73-ABCC-6DBD287C8DA8}" destId="{E1E5ABEF-32EC-433D-95BB-704B93D0AF20}" srcOrd="0" destOrd="0" presId="urn:microsoft.com/office/officeart/2005/8/layout/hList1"/>
+    <dgm:cxn modelId="{6F85267E-2FAF-4FAD-9990-D9D83053F773}" srcId="{D652B0E8-2CD1-4F83-8689-99B0978BBA28}" destId="{C29FF73F-9C89-4065-95C4-9685DFA32552}" srcOrd="2" destOrd="0" parTransId="{BCD04F4A-2674-4DC7-BF88-DCE1B7E28750}" sibTransId="{6E1463C3-D4A1-4C03-A1A7-31DE7169A6A8}"/>
+    <dgm:cxn modelId="{DDCD96A9-12B2-4BF2-849C-B9355CFA1A2F}" type="presOf" srcId="{D652B0E8-2CD1-4F83-8689-99B0978BBA28}" destId="{6F30A6BD-E71A-40AC-B0D7-FA300AA3352B}" srcOrd="0" destOrd="0" presId="urn:microsoft.com/office/officeart/2005/8/layout/hList1"/>
     <dgm:cxn modelId="{18925A02-CF38-4041-974B-CFA8E6581C68}" srcId="{72FDE33F-EB74-4AB8-B828-FD01D5145B4A}" destId="{0981F120-E998-467E-97BC-4D7AAFAFF94E}" srcOrd="0" destOrd="0" parTransId="{02A10183-4047-4747-810F-0DF076041DE6}" sibTransId="{8663CE0F-C100-440C-A470-BB2334BDF99F}"/>
-    <dgm:cxn modelId="{C287A2AF-0D21-49D8-B7FF-2BD532A19B9A}" type="presOf" srcId="{7F6225C5-8A7D-4C8D-8E4A-7E197D96BF5D}" destId="{108CDE68-479E-4734-8347-36BC16C3B20C}" srcOrd="0" destOrd="0" presId="urn:microsoft.com/office/officeart/2005/8/layout/hList1"/>
-    <dgm:cxn modelId="{F55A3E50-7CD6-4B0C-9822-429838D214EE}" type="presOf" srcId="{72FDE33F-EB74-4AB8-B828-FD01D5145B4A}" destId="{8338512F-4F26-4C6F-AFF7-3750D13D284C}" srcOrd="0" destOrd="0" presId="urn:microsoft.com/office/officeart/2005/8/layout/hList1"/>
-    <dgm:cxn modelId="{92EF0DBE-FD47-40F7-9C62-6AFA85C39462}" type="presOf" srcId="{77F5B6F8-FB2A-4F73-ABCC-6DBD287C8DA8}" destId="{E1E5ABEF-32EC-433D-95BB-704B93D0AF20}" srcOrd="0" destOrd="0" presId="urn:microsoft.com/office/officeart/2005/8/layout/hList1"/>
-    <dgm:cxn modelId="{C66AC95D-2E60-42FD-89D0-8661E05C12A1}" type="presOf" srcId="{0981F120-E998-467E-97BC-4D7AAFAFF94E}" destId="{1F162370-80CD-4559-9290-2107E36B9CE1}" srcOrd="0" destOrd="0" presId="urn:microsoft.com/office/officeart/2005/8/layout/hList1"/>
-    <dgm:cxn modelId="{DDCD96A9-12B2-4BF2-849C-B9355CFA1A2F}" type="presOf" srcId="{D652B0E8-2CD1-4F83-8689-99B0978BBA28}" destId="{6F30A6BD-E71A-40AC-B0D7-FA300AA3352B}" srcOrd="0" destOrd="0" presId="urn:microsoft.com/office/officeart/2005/8/layout/hList1"/>
-    <dgm:cxn modelId="{6F85267E-2FAF-4FAD-9990-D9D83053F773}" srcId="{D652B0E8-2CD1-4F83-8689-99B0978BBA28}" destId="{C29FF73F-9C89-4065-95C4-9685DFA32552}" srcOrd="2" destOrd="0" parTransId="{BCD04F4A-2674-4DC7-BF88-DCE1B7E28750}" sibTransId="{6E1463C3-D4A1-4C03-A1A7-31DE7169A6A8}"/>
-    <dgm:cxn modelId="{35A7DCFE-FEEF-44F3-ABA8-1B957F4467B5}" type="presOf" srcId="{65A55FFA-462D-4A71-8BD0-45554038FA9E}" destId="{82EC25B9-AEB0-4E75-8D59-98364ED6D3AB}" srcOrd="0" destOrd="1" presId="urn:microsoft.com/office/officeart/2005/8/layout/hList1"/>
-    <dgm:cxn modelId="{E900BBFD-A016-4CAE-AF9D-89D83B5EB1D0}" srcId="{C29FF73F-9C89-4065-95C4-9685DFA32552}" destId="{7F6225C5-8A7D-4C8D-8E4A-7E197D96BF5D}" srcOrd="0" destOrd="0" parTransId="{A08B712A-9242-4962-AAD7-5AD8859DC2D5}" sibTransId="{51277D52-2C23-4ABA-8CF8-646006B8E639}"/>
     <dgm:cxn modelId="{F6A72AA4-B933-49C1-8C71-AA3609D69DF0}" type="presParOf" srcId="{6F30A6BD-E71A-40AC-B0D7-FA300AA3352B}" destId="{FF064AB1-F5F9-4700-BE56-8AA8CD7D440E}" srcOrd="0" destOrd="0" presId="urn:microsoft.com/office/officeart/2005/8/layout/hList1"/>
     <dgm:cxn modelId="{CD334C50-55D8-45BA-817B-C50F8B03AA30}" type="presParOf" srcId="{FF064AB1-F5F9-4700-BE56-8AA8CD7D440E}" destId="{E1E5ABEF-32EC-433D-95BB-704B93D0AF20}" srcOrd="0" destOrd="0" presId="urn:microsoft.com/office/officeart/2005/8/layout/hList1"/>
     <dgm:cxn modelId="{41DCA90D-A3AD-47A0-8DD5-74FDC89596C4}" type="presParOf" srcId="{FF064AB1-F5F9-4700-BE56-8AA8CD7D440E}" destId="{82EC25B9-AEB0-4E75-8D59-98364ED6D3AB}" srcOrd="1" destOrd="0" presId="urn:microsoft.com/office/officeart/2005/8/layout/hList1"/>
@@ -6389,6 +6389,795 @@
       <dsp:cNvGrpSpPr/>
     </dsp:nvGrpSpPr>
     <dsp:grpSpPr/>
+    <dsp:sp modelId="{693C1B6D-3AF6-4266-8826-F615671F5946}">
+      <dsp:nvSpPr>
+        <dsp:cNvPr id="0" name=""/>
+        <dsp:cNvSpPr/>
+      </dsp:nvSpPr>
+      <dsp:spPr>
+        <a:xfrm>
+          <a:off x="-4743408" y="-727071"/>
+          <a:ext cx="5649904" cy="5649904"/>
+        </a:xfrm>
+        <a:prstGeom prst="blockArc">
+          <a:avLst>
+            <a:gd name="adj1" fmla="val 18900000"/>
+            <a:gd name="adj2" fmla="val 2700000"/>
+            <a:gd name="adj3" fmla="val 382"/>
+          </a:avLst>
+        </a:prstGeom>
+        <a:noFill/>
+        <a:ln w="19050" cap="rnd" cmpd="sng" algn="ctr">
+          <a:solidFill>
+            <a:schemeClr val="accent1">
+              <a:shade val="60000"/>
+              <a:hueOff val="0"/>
+              <a:satOff val="0"/>
+              <a:lumOff val="0"/>
+              <a:alphaOff val="0"/>
+            </a:schemeClr>
+          </a:solidFill>
+          <a:prstDash val="solid"/>
+        </a:ln>
+        <a:effectLst/>
+      </dsp:spPr>
+      <dsp:style>
+        <a:lnRef idx="2">
+          <a:scrgbClr r="0" g="0" b="0"/>
+        </a:lnRef>
+        <a:fillRef idx="0">
+          <a:scrgbClr r="0" g="0" b="0"/>
+        </a:fillRef>
+        <a:effectRef idx="0">
+          <a:scrgbClr r="0" g="0" b="0"/>
+        </a:effectRef>
+        <a:fontRef idx="minor"/>
+      </dsp:style>
+    </dsp:sp>
+    <dsp:sp modelId="{66354FE4-9E98-41D7-82B2-8ADA28A05AD4}">
+      <dsp:nvSpPr>
+        <dsp:cNvPr id="0" name=""/>
+        <dsp:cNvSpPr/>
+      </dsp:nvSpPr>
+      <dsp:spPr>
+        <a:xfrm>
+          <a:off x="338392" y="220948"/>
+          <a:ext cx="8551489" cy="441729"/>
+        </a:xfrm>
+        <a:prstGeom prst="rect">
+          <a:avLst/>
+        </a:prstGeom>
+        <a:solidFill>
+          <a:schemeClr val="accent1">
+            <a:hueOff val="0"/>
+            <a:satOff val="0"/>
+            <a:lumOff val="0"/>
+            <a:alphaOff val="0"/>
+          </a:schemeClr>
+        </a:solidFill>
+        <a:ln w="19050" cap="rnd" cmpd="sng" algn="ctr">
+          <a:solidFill>
+            <a:schemeClr val="lt1">
+              <a:hueOff val="0"/>
+              <a:satOff val="0"/>
+              <a:lumOff val="0"/>
+              <a:alphaOff val="0"/>
+            </a:schemeClr>
+          </a:solidFill>
+          <a:prstDash val="solid"/>
+        </a:ln>
+        <a:effectLst/>
+      </dsp:spPr>
+      <dsp:style>
+        <a:lnRef idx="2">
+          <a:scrgbClr r="0" g="0" b="0"/>
+        </a:lnRef>
+        <a:fillRef idx="1">
+          <a:scrgbClr r="0" g="0" b="0"/>
+        </a:fillRef>
+        <a:effectRef idx="0">
+          <a:scrgbClr r="0" g="0" b="0"/>
+        </a:effectRef>
+        <a:fontRef idx="minor">
+          <a:schemeClr val="lt1"/>
+        </a:fontRef>
+      </dsp:style>
+      <dsp:txBody>
+        <a:bodyPr spcFirstLastPara="0" vert="horz" wrap="square" lIns="350623" tIns="58420" rIns="58420" bIns="58420" numCol="1" spcCol="1270" anchor="ctr" anchorCtr="0">
+          <a:noAutofit/>
+        </a:bodyPr>
+        <a:lstStyle/>
+        <a:p>
+          <a:pPr lvl="0" algn="l" defTabSz="1022350">
+            <a:lnSpc>
+              <a:spcPct val="90000"/>
+            </a:lnSpc>
+            <a:spcBef>
+              <a:spcPct val="0"/>
+            </a:spcBef>
+            <a:spcAft>
+              <a:spcPct val="35000"/>
+            </a:spcAft>
+          </a:pPr>
+          <a:r>
+            <a:rPr lang="de-DE" sz="2300" kern="1200" dirty="0" smtClean="0"/>
+            <a:t>Entstehungsgeschichte</a:t>
+          </a:r>
+          <a:endParaRPr lang="de-DE" sz="2300" kern="1200" dirty="0"/>
+        </a:p>
+      </dsp:txBody>
+      <dsp:txXfrm>
+        <a:off x="338392" y="220948"/>
+        <a:ext cx="8551489" cy="441729"/>
+      </dsp:txXfrm>
+    </dsp:sp>
+    <dsp:sp modelId="{02252D64-F267-4D7B-A8F0-8ED79BB958B3}">
+      <dsp:nvSpPr>
+        <dsp:cNvPr id="0" name=""/>
+        <dsp:cNvSpPr/>
+      </dsp:nvSpPr>
+      <dsp:spPr>
+        <a:xfrm>
+          <a:off x="62311" y="165732"/>
+          <a:ext cx="552162" cy="552162"/>
+        </a:xfrm>
+        <a:prstGeom prst="ellipse">
+          <a:avLst/>
+        </a:prstGeom>
+        <a:solidFill>
+          <a:schemeClr val="lt1">
+            <a:hueOff val="0"/>
+            <a:satOff val="0"/>
+            <a:lumOff val="0"/>
+            <a:alphaOff val="0"/>
+          </a:schemeClr>
+        </a:solidFill>
+        <a:ln w="19050" cap="rnd" cmpd="sng" algn="ctr">
+          <a:solidFill>
+            <a:schemeClr val="accent1">
+              <a:hueOff val="0"/>
+              <a:satOff val="0"/>
+              <a:lumOff val="0"/>
+              <a:alphaOff val="0"/>
+            </a:schemeClr>
+          </a:solidFill>
+          <a:prstDash val="solid"/>
+        </a:ln>
+        <a:effectLst/>
+      </dsp:spPr>
+      <dsp:style>
+        <a:lnRef idx="2">
+          <a:scrgbClr r="0" g="0" b="0"/>
+        </a:lnRef>
+        <a:fillRef idx="1">
+          <a:scrgbClr r="0" g="0" b="0"/>
+        </a:fillRef>
+        <a:effectRef idx="0">
+          <a:scrgbClr r="0" g="0" b="0"/>
+        </a:effectRef>
+        <a:fontRef idx="minor"/>
+      </dsp:style>
+    </dsp:sp>
+    <dsp:sp modelId="{186FEFF4-3287-4F45-B1D6-800A369AE7B3}">
+      <dsp:nvSpPr>
+        <dsp:cNvPr id="0" name=""/>
+        <dsp:cNvSpPr/>
+      </dsp:nvSpPr>
+      <dsp:spPr>
+        <a:xfrm>
+          <a:off x="701745" y="883459"/>
+          <a:ext cx="8188136" cy="441729"/>
+        </a:xfrm>
+        <a:prstGeom prst="rect">
+          <a:avLst/>
+        </a:prstGeom>
+        <a:solidFill>
+          <a:schemeClr val="accent1">
+            <a:hueOff val="0"/>
+            <a:satOff val="0"/>
+            <a:lumOff val="0"/>
+            <a:alphaOff val="0"/>
+          </a:schemeClr>
+        </a:solidFill>
+        <a:ln w="19050" cap="rnd" cmpd="sng" algn="ctr">
+          <a:solidFill>
+            <a:schemeClr val="lt1">
+              <a:hueOff val="0"/>
+              <a:satOff val="0"/>
+              <a:lumOff val="0"/>
+              <a:alphaOff val="0"/>
+            </a:schemeClr>
+          </a:solidFill>
+          <a:prstDash val="solid"/>
+        </a:ln>
+        <a:effectLst/>
+      </dsp:spPr>
+      <dsp:style>
+        <a:lnRef idx="2">
+          <a:scrgbClr r="0" g="0" b="0"/>
+        </a:lnRef>
+        <a:fillRef idx="1">
+          <a:scrgbClr r="0" g="0" b="0"/>
+        </a:fillRef>
+        <a:effectRef idx="0">
+          <a:scrgbClr r="0" g="0" b="0"/>
+        </a:effectRef>
+        <a:fontRef idx="minor">
+          <a:schemeClr val="lt1"/>
+        </a:fontRef>
+      </dsp:style>
+      <dsp:txBody>
+        <a:bodyPr spcFirstLastPara="0" vert="horz" wrap="square" lIns="350623" tIns="58420" rIns="58420" bIns="58420" numCol="1" spcCol="1270" anchor="ctr" anchorCtr="0">
+          <a:noAutofit/>
+        </a:bodyPr>
+        <a:lstStyle/>
+        <a:p>
+          <a:pPr lvl="0" algn="l" defTabSz="1022350">
+            <a:lnSpc>
+              <a:spcPct val="90000"/>
+            </a:lnSpc>
+            <a:spcBef>
+              <a:spcPct val="0"/>
+            </a:spcBef>
+            <a:spcAft>
+              <a:spcPct val="35000"/>
+            </a:spcAft>
+          </a:pPr>
+          <a:r>
+            <a:rPr lang="de-DE" sz="2300" kern="1200" dirty="0" smtClean="0"/>
+            <a:t>GEMA Heute</a:t>
+          </a:r>
+          <a:endParaRPr lang="de-DE" sz="2300" kern="1200" dirty="0"/>
+        </a:p>
+      </dsp:txBody>
+      <dsp:txXfrm>
+        <a:off x="701745" y="883459"/>
+        <a:ext cx="8188136" cy="441729"/>
+      </dsp:txXfrm>
+    </dsp:sp>
+    <dsp:sp modelId="{0A891886-D046-4FAD-9B31-55128EA10DBA}">
+      <dsp:nvSpPr>
+        <dsp:cNvPr id="0" name=""/>
+        <dsp:cNvSpPr/>
+      </dsp:nvSpPr>
+      <dsp:spPr>
+        <a:xfrm>
+          <a:off x="425664" y="828243"/>
+          <a:ext cx="552162" cy="552162"/>
+        </a:xfrm>
+        <a:prstGeom prst="ellipse">
+          <a:avLst/>
+        </a:prstGeom>
+        <a:solidFill>
+          <a:schemeClr val="lt1">
+            <a:hueOff val="0"/>
+            <a:satOff val="0"/>
+            <a:lumOff val="0"/>
+            <a:alphaOff val="0"/>
+          </a:schemeClr>
+        </a:solidFill>
+        <a:ln w="19050" cap="rnd" cmpd="sng" algn="ctr">
+          <a:solidFill>
+            <a:schemeClr val="accent1">
+              <a:hueOff val="0"/>
+              <a:satOff val="0"/>
+              <a:lumOff val="0"/>
+              <a:alphaOff val="0"/>
+            </a:schemeClr>
+          </a:solidFill>
+          <a:prstDash val="solid"/>
+        </a:ln>
+        <a:effectLst/>
+      </dsp:spPr>
+      <dsp:style>
+        <a:lnRef idx="2">
+          <a:scrgbClr r="0" g="0" b="0"/>
+        </a:lnRef>
+        <a:fillRef idx="1">
+          <a:scrgbClr r="0" g="0" b="0"/>
+        </a:fillRef>
+        <a:effectRef idx="0">
+          <a:scrgbClr r="0" g="0" b="0"/>
+        </a:effectRef>
+        <a:fontRef idx="minor"/>
+      </dsp:style>
+    </dsp:sp>
+    <dsp:sp modelId="{D01A3DDA-DD05-4653-A544-1DE465EDC144}">
+      <dsp:nvSpPr>
+        <dsp:cNvPr id="0" name=""/>
+        <dsp:cNvSpPr/>
+      </dsp:nvSpPr>
+      <dsp:spPr>
+        <a:xfrm>
+          <a:off x="867897" y="1545970"/>
+          <a:ext cx="8021984" cy="441729"/>
+        </a:xfrm>
+        <a:prstGeom prst="rect">
+          <a:avLst/>
+        </a:prstGeom>
+        <a:solidFill>
+          <a:schemeClr val="accent1">
+            <a:hueOff val="0"/>
+            <a:satOff val="0"/>
+            <a:lumOff val="0"/>
+            <a:alphaOff val="0"/>
+          </a:schemeClr>
+        </a:solidFill>
+        <a:ln w="19050" cap="rnd" cmpd="sng" algn="ctr">
+          <a:solidFill>
+            <a:schemeClr val="lt1">
+              <a:hueOff val="0"/>
+              <a:satOff val="0"/>
+              <a:lumOff val="0"/>
+              <a:alphaOff val="0"/>
+            </a:schemeClr>
+          </a:solidFill>
+          <a:prstDash val="solid"/>
+        </a:ln>
+        <a:effectLst/>
+      </dsp:spPr>
+      <dsp:style>
+        <a:lnRef idx="2">
+          <a:scrgbClr r="0" g="0" b="0"/>
+        </a:lnRef>
+        <a:fillRef idx="1">
+          <a:scrgbClr r="0" g="0" b="0"/>
+        </a:fillRef>
+        <a:effectRef idx="0">
+          <a:scrgbClr r="0" g="0" b="0"/>
+        </a:effectRef>
+        <a:fontRef idx="minor">
+          <a:schemeClr val="lt1"/>
+        </a:fontRef>
+      </dsp:style>
+      <dsp:txBody>
+        <a:bodyPr spcFirstLastPara="0" vert="horz" wrap="square" lIns="350623" tIns="58420" rIns="58420" bIns="58420" numCol="1" spcCol="1270" anchor="ctr" anchorCtr="0">
+          <a:noAutofit/>
+        </a:bodyPr>
+        <a:lstStyle/>
+        <a:p>
+          <a:pPr lvl="0" algn="l" defTabSz="1022350">
+            <a:lnSpc>
+              <a:spcPct val="90000"/>
+            </a:lnSpc>
+            <a:spcBef>
+              <a:spcPct val="0"/>
+            </a:spcBef>
+            <a:spcAft>
+              <a:spcPct val="35000"/>
+            </a:spcAft>
+          </a:pPr>
+          <a:r>
+            <a:rPr lang="de-DE" sz="2300" kern="1200" dirty="0" smtClean="0"/>
+            <a:t>Rechtsgrundlagen</a:t>
+          </a:r>
+          <a:endParaRPr lang="de-DE" sz="2300" kern="1200" dirty="0"/>
+        </a:p>
+      </dsp:txBody>
+      <dsp:txXfrm>
+        <a:off x="867897" y="1545970"/>
+        <a:ext cx="8021984" cy="441729"/>
+      </dsp:txXfrm>
+    </dsp:sp>
+    <dsp:sp modelId="{59BA6251-EE06-4D18-82CA-1AD522B5B007}">
+      <dsp:nvSpPr>
+        <dsp:cNvPr id="0" name=""/>
+        <dsp:cNvSpPr/>
+      </dsp:nvSpPr>
+      <dsp:spPr>
+        <a:xfrm>
+          <a:off x="591816" y="1490754"/>
+          <a:ext cx="552162" cy="552162"/>
+        </a:xfrm>
+        <a:prstGeom prst="ellipse">
+          <a:avLst/>
+        </a:prstGeom>
+        <a:solidFill>
+          <a:schemeClr val="lt1">
+            <a:hueOff val="0"/>
+            <a:satOff val="0"/>
+            <a:lumOff val="0"/>
+            <a:alphaOff val="0"/>
+          </a:schemeClr>
+        </a:solidFill>
+        <a:ln w="19050" cap="rnd" cmpd="sng" algn="ctr">
+          <a:solidFill>
+            <a:schemeClr val="accent1">
+              <a:hueOff val="0"/>
+              <a:satOff val="0"/>
+              <a:lumOff val="0"/>
+              <a:alphaOff val="0"/>
+            </a:schemeClr>
+          </a:solidFill>
+          <a:prstDash val="solid"/>
+        </a:ln>
+        <a:effectLst/>
+      </dsp:spPr>
+      <dsp:style>
+        <a:lnRef idx="2">
+          <a:scrgbClr r="0" g="0" b="0"/>
+        </a:lnRef>
+        <a:fillRef idx="1">
+          <a:scrgbClr r="0" g="0" b="0"/>
+        </a:fillRef>
+        <a:effectRef idx="0">
+          <a:scrgbClr r="0" g="0" b="0"/>
+        </a:effectRef>
+        <a:fontRef idx="minor"/>
+      </dsp:style>
+    </dsp:sp>
+    <dsp:sp modelId="{F3EF8BFB-5977-4BEE-A48F-177DC2B7C1B9}">
+      <dsp:nvSpPr>
+        <dsp:cNvPr id="0" name=""/>
+        <dsp:cNvSpPr/>
+      </dsp:nvSpPr>
+      <dsp:spPr>
+        <a:xfrm>
+          <a:off x="867897" y="2208061"/>
+          <a:ext cx="8021984" cy="441729"/>
+        </a:xfrm>
+        <a:prstGeom prst="rect">
+          <a:avLst/>
+        </a:prstGeom>
+        <a:solidFill>
+          <a:schemeClr val="accent1">
+            <a:hueOff val="0"/>
+            <a:satOff val="0"/>
+            <a:lumOff val="0"/>
+            <a:alphaOff val="0"/>
+          </a:schemeClr>
+        </a:solidFill>
+        <a:ln w="19050" cap="rnd" cmpd="sng" algn="ctr">
+          <a:solidFill>
+            <a:schemeClr val="lt1">
+              <a:hueOff val="0"/>
+              <a:satOff val="0"/>
+              <a:lumOff val="0"/>
+              <a:alphaOff val="0"/>
+            </a:schemeClr>
+          </a:solidFill>
+          <a:prstDash val="solid"/>
+        </a:ln>
+        <a:effectLst/>
+      </dsp:spPr>
+      <dsp:style>
+        <a:lnRef idx="2">
+          <a:scrgbClr r="0" g="0" b="0"/>
+        </a:lnRef>
+        <a:fillRef idx="1">
+          <a:scrgbClr r="0" g="0" b="0"/>
+        </a:fillRef>
+        <a:effectRef idx="0">
+          <a:scrgbClr r="0" g="0" b="0"/>
+        </a:effectRef>
+        <a:fontRef idx="minor">
+          <a:schemeClr val="lt1"/>
+        </a:fontRef>
+      </dsp:style>
+      <dsp:txBody>
+        <a:bodyPr spcFirstLastPara="0" vert="horz" wrap="square" lIns="350623" tIns="58420" rIns="58420" bIns="58420" numCol="1" spcCol="1270" anchor="ctr" anchorCtr="0">
+          <a:noAutofit/>
+        </a:bodyPr>
+        <a:lstStyle/>
+        <a:p>
+          <a:pPr lvl="0" algn="l" defTabSz="1022350">
+            <a:lnSpc>
+              <a:spcPct val="90000"/>
+            </a:lnSpc>
+            <a:spcBef>
+              <a:spcPct val="0"/>
+            </a:spcBef>
+            <a:spcAft>
+              <a:spcPct val="35000"/>
+            </a:spcAft>
+          </a:pPr>
+          <a:r>
+            <a:rPr lang="de-DE" sz="2300" kern="1200" dirty="0" smtClean="0"/>
+            <a:t>Rechtsstreit YouTube</a:t>
+          </a:r>
+          <a:endParaRPr lang="de-DE" sz="2300" kern="1200" dirty="0"/>
+        </a:p>
+      </dsp:txBody>
+      <dsp:txXfrm>
+        <a:off x="867897" y="2208061"/>
+        <a:ext cx="8021984" cy="441729"/>
+      </dsp:txXfrm>
+    </dsp:sp>
+    <dsp:sp modelId="{B57497B4-BB57-4296-A3EE-AFE6F16092DB}">
+      <dsp:nvSpPr>
+        <dsp:cNvPr id="0" name=""/>
+        <dsp:cNvSpPr/>
+      </dsp:nvSpPr>
+      <dsp:spPr>
+        <a:xfrm>
+          <a:off x="591816" y="2152845"/>
+          <a:ext cx="552162" cy="552162"/>
+        </a:xfrm>
+        <a:prstGeom prst="ellipse">
+          <a:avLst/>
+        </a:prstGeom>
+        <a:solidFill>
+          <a:schemeClr val="lt1">
+            <a:hueOff val="0"/>
+            <a:satOff val="0"/>
+            <a:lumOff val="0"/>
+            <a:alphaOff val="0"/>
+          </a:schemeClr>
+        </a:solidFill>
+        <a:ln w="19050" cap="rnd" cmpd="sng" algn="ctr">
+          <a:solidFill>
+            <a:schemeClr val="accent1">
+              <a:hueOff val="0"/>
+              <a:satOff val="0"/>
+              <a:lumOff val="0"/>
+              <a:alphaOff val="0"/>
+            </a:schemeClr>
+          </a:solidFill>
+          <a:prstDash val="solid"/>
+        </a:ln>
+        <a:effectLst/>
+      </dsp:spPr>
+      <dsp:style>
+        <a:lnRef idx="2">
+          <a:scrgbClr r="0" g="0" b="0"/>
+        </a:lnRef>
+        <a:fillRef idx="1">
+          <a:scrgbClr r="0" g="0" b="0"/>
+        </a:fillRef>
+        <a:effectRef idx="0">
+          <a:scrgbClr r="0" g="0" b="0"/>
+        </a:effectRef>
+        <a:fontRef idx="minor"/>
+      </dsp:style>
+    </dsp:sp>
+    <dsp:sp modelId="{07FF490E-91C3-4B79-ACDC-12778AD836E5}">
+      <dsp:nvSpPr>
+        <dsp:cNvPr id="0" name=""/>
+        <dsp:cNvSpPr/>
+      </dsp:nvSpPr>
+      <dsp:spPr>
+        <a:xfrm>
+          <a:off x="701745" y="2870572"/>
+          <a:ext cx="8188136" cy="441729"/>
+        </a:xfrm>
+        <a:prstGeom prst="rect">
+          <a:avLst/>
+        </a:prstGeom>
+        <a:solidFill>
+          <a:schemeClr val="accent1">
+            <a:hueOff val="0"/>
+            <a:satOff val="0"/>
+            <a:lumOff val="0"/>
+            <a:alphaOff val="0"/>
+          </a:schemeClr>
+        </a:solidFill>
+        <a:ln w="19050" cap="rnd" cmpd="sng" algn="ctr">
+          <a:solidFill>
+            <a:schemeClr val="lt1">
+              <a:hueOff val="0"/>
+              <a:satOff val="0"/>
+              <a:lumOff val="0"/>
+              <a:alphaOff val="0"/>
+            </a:schemeClr>
+          </a:solidFill>
+          <a:prstDash val="solid"/>
+        </a:ln>
+        <a:effectLst/>
+      </dsp:spPr>
+      <dsp:style>
+        <a:lnRef idx="2">
+          <a:scrgbClr r="0" g="0" b="0"/>
+        </a:lnRef>
+        <a:fillRef idx="1">
+          <a:scrgbClr r="0" g="0" b="0"/>
+        </a:fillRef>
+        <a:effectRef idx="0">
+          <a:scrgbClr r="0" g="0" b="0"/>
+        </a:effectRef>
+        <a:fontRef idx="minor">
+          <a:schemeClr val="lt1"/>
+        </a:fontRef>
+      </dsp:style>
+      <dsp:txBody>
+        <a:bodyPr spcFirstLastPara="0" vert="horz" wrap="square" lIns="350623" tIns="58420" rIns="58420" bIns="58420" numCol="1" spcCol="1270" anchor="ctr" anchorCtr="0">
+          <a:noAutofit/>
+        </a:bodyPr>
+        <a:lstStyle/>
+        <a:p>
+          <a:pPr lvl="0" algn="l" defTabSz="1022350">
+            <a:lnSpc>
+              <a:spcPct val="90000"/>
+            </a:lnSpc>
+            <a:spcBef>
+              <a:spcPct val="0"/>
+            </a:spcBef>
+            <a:spcAft>
+              <a:spcPct val="35000"/>
+            </a:spcAft>
+          </a:pPr>
+          <a:r>
+            <a:rPr lang="de-DE" sz="2300" kern="1200" dirty="0" smtClean="0"/>
+            <a:t>Kritik</a:t>
+          </a:r>
+          <a:endParaRPr lang="de-DE" sz="2300" kern="1200" dirty="0"/>
+        </a:p>
+      </dsp:txBody>
+      <dsp:txXfrm>
+        <a:off x="701745" y="2870572"/>
+        <a:ext cx="8188136" cy="441729"/>
+      </dsp:txXfrm>
+    </dsp:sp>
+    <dsp:sp modelId="{ED3CA6CD-81B9-48E9-9C95-95C0C6C7BEB4}">
+      <dsp:nvSpPr>
+        <dsp:cNvPr id="0" name=""/>
+        <dsp:cNvSpPr/>
+      </dsp:nvSpPr>
+      <dsp:spPr>
+        <a:xfrm>
+          <a:off x="425664" y="2815356"/>
+          <a:ext cx="552162" cy="552162"/>
+        </a:xfrm>
+        <a:prstGeom prst="ellipse">
+          <a:avLst/>
+        </a:prstGeom>
+        <a:solidFill>
+          <a:schemeClr val="lt1">
+            <a:hueOff val="0"/>
+            <a:satOff val="0"/>
+            <a:lumOff val="0"/>
+            <a:alphaOff val="0"/>
+          </a:schemeClr>
+        </a:solidFill>
+        <a:ln w="19050" cap="rnd" cmpd="sng" algn="ctr">
+          <a:solidFill>
+            <a:schemeClr val="accent1">
+              <a:hueOff val="0"/>
+              <a:satOff val="0"/>
+              <a:lumOff val="0"/>
+              <a:alphaOff val="0"/>
+            </a:schemeClr>
+          </a:solidFill>
+          <a:prstDash val="solid"/>
+        </a:ln>
+        <a:effectLst/>
+      </dsp:spPr>
+      <dsp:style>
+        <a:lnRef idx="2">
+          <a:scrgbClr r="0" g="0" b="0"/>
+        </a:lnRef>
+        <a:fillRef idx="1">
+          <a:scrgbClr r="0" g="0" b="0"/>
+        </a:fillRef>
+        <a:effectRef idx="0">
+          <a:scrgbClr r="0" g="0" b="0"/>
+        </a:effectRef>
+        <a:fontRef idx="minor"/>
+      </dsp:style>
+    </dsp:sp>
+    <dsp:sp modelId="{5F488B4E-B79B-420D-A02A-585EC0822F40}">
+      <dsp:nvSpPr>
+        <dsp:cNvPr id="0" name=""/>
+        <dsp:cNvSpPr/>
+      </dsp:nvSpPr>
+      <dsp:spPr>
+        <a:xfrm>
+          <a:off x="338392" y="3533083"/>
+          <a:ext cx="8551489" cy="441729"/>
+        </a:xfrm>
+        <a:prstGeom prst="rect">
+          <a:avLst/>
+        </a:prstGeom>
+        <a:solidFill>
+          <a:schemeClr val="accent1">
+            <a:hueOff val="0"/>
+            <a:satOff val="0"/>
+            <a:lumOff val="0"/>
+            <a:alphaOff val="0"/>
+          </a:schemeClr>
+        </a:solidFill>
+        <a:ln w="19050" cap="rnd" cmpd="sng" algn="ctr">
+          <a:solidFill>
+            <a:schemeClr val="lt1">
+              <a:hueOff val="0"/>
+              <a:satOff val="0"/>
+              <a:lumOff val="0"/>
+              <a:alphaOff val="0"/>
+            </a:schemeClr>
+          </a:solidFill>
+          <a:prstDash val="solid"/>
+        </a:ln>
+        <a:effectLst/>
+      </dsp:spPr>
+      <dsp:style>
+        <a:lnRef idx="2">
+          <a:scrgbClr r="0" g="0" b="0"/>
+        </a:lnRef>
+        <a:fillRef idx="1">
+          <a:scrgbClr r="0" g="0" b="0"/>
+        </a:fillRef>
+        <a:effectRef idx="0">
+          <a:scrgbClr r="0" g="0" b="0"/>
+        </a:effectRef>
+        <a:fontRef idx="minor">
+          <a:schemeClr val="lt1"/>
+        </a:fontRef>
+      </dsp:style>
+      <dsp:txBody>
+        <a:bodyPr spcFirstLastPara="0" vert="horz" wrap="square" lIns="350623" tIns="58420" rIns="58420" bIns="58420" numCol="1" spcCol="1270" anchor="ctr" anchorCtr="0">
+          <a:noAutofit/>
+        </a:bodyPr>
+        <a:lstStyle/>
+        <a:p>
+          <a:pPr lvl="0" algn="l" defTabSz="1022350">
+            <a:lnSpc>
+              <a:spcPct val="90000"/>
+            </a:lnSpc>
+            <a:spcBef>
+              <a:spcPct val="0"/>
+            </a:spcBef>
+            <a:spcAft>
+              <a:spcPct val="35000"/>
+            </a:spcAft>
+          </a:pPr>
+          <a:r>
+            <a:rPr lang="de-DE" sz="2300" kern="1200" dirty="0" smtClean="0"/>
+            <a:t>Fazit &amp; Ausblick</a:t>
+          </a:r>
+          <a:endParaRPr lang="de-DE" sz="2300" kern="1200" dirty="0"/>
+        </a:p>
+      </dsp:txBody>
+      <dsp:txXfrm>
+        <a:off x="338392" y="3533083"/>
+        <a:ext cx="8551489" cy="441729"/>
+      </dsp:txXfrm>
+    </dsp:sp>
+    <dsp:sp modelId="{759E9B6C-4002-40EF-8638-A30ED49A333A}">
+      <dsp:nvSpPr>
+        <dsp:cNvPr id="0" name=""/>
+        <dsp:cNvSpPr/>
+      </dsp:nvSpPr>
+      <dsp:spPr>
+        <a:xfrm>
+          <a:off x="62311" y="3477867"/>
+          <a:ext cx="552162" cy="552162"/>
+        </a:xfrm>
+        <a:prstGeom prst="ellipse">
+          <a:avLst/>
+        </a:prstGeom>
+        <a:solidFill>
+          <a:schemeClr val="lt1">
+            <a:hueOff val="0"/>
+            <a:satOff val="0"/>
+            <a:lumOff val="0"/>
+            <a:alphaOff val="0"/>
+          </a:schemeClr>
+        </a:solidFill>
+        <a:ln w="19050" cap="rnd" cmpd="sng" algn="ctr">
+          <a:solidFill>
+            <a:schemeClr val="accent1">
+              <a:hueOff val="0"/>
+              <a:satOff val="0"/>
+              <a:lumOff val="0"/>
+              <a:alphaOff val="0"/>
+            </a:schemeClr>
+          </a:solidFill>
+          <a:prstDash val="solid"/>
+        </a:ln>
+        <a:effectLst/>
+      </dsp:spPr>
+      <dsp:style>
+        <a:lnRef idx="2">
+          <a:scrgbClr r="0" g="0" b="0"/>
+        </a:lnRef>
+        <a:fillRef idx="1">
+          <a:scrgbClr r="0" g="0" b="0"/>
+        </a:fillRef>
+        <a:effectRef idx="0">
+          <a:scrgbClr r="0" g="0" b="0"/>
+        </a:effectRef>
+        <a:fontRef idx="minor"/>
+      </dsp:style>
+    </dsp:sp>
   </dsp:spTree>
 </dsp:drawing>
 </file>
@@ -6401,6 +7190,546 @@
       <dsp:cNvGrpSpPr/>
     </dsp:nvGrpSpPr>
     <dsp:grpSpPr/>
+    <dsp:sp modelId="{E4F6C7EF-E223-412F-BC14-D4ADE36A3BDC}">
+      <dsp:nvSpPr>
+        <dsp:cNvPr id="0" name=""/>
+        <dsp:cNvSpPr/>
+      </dsp:nvSpPr>
+      <dsp:spPr>
+        <a:xfrm rot="5400000">
+          <a:off x="-253647" y="256502"/>
+          <a:ext cx="1690982" cy="1183688"/>
+        </a:xfrm>
+        <a:prstGeom prst="chevron">
+          <a:avLst/>
+        </a:prstGeom>
+        <a:solidFill>
+          <a:schemeClr val="accent1">
+            <a:hueOff val="0"/>
+            <a:satOff val="0"/>
+            <a:lumOff val="0"/>
+            <a:alphaOff val="0"/>
+          </a:schemeClr>
+        </a:solidFill>
+        <a:ln w="19050" cap="rnd" cmpd="sng" algn="ctr">
+          <a:solidFill>
+            <a:schemeClr val="accent1">
+              <a:hueOff val="0"/>
+              <a:satOff val="0"/>
+              <a:lumOff val="0"/>
+              <a:alphaOff val="0"/>
+            </a:schemeClr>
+          </a:solidFill>
+          <a:prstDash val="solid"/>
+        </a:ln>
+        <a:effectLst/>
+      </dsp:spPr>
+      <dsp:style>
+        <a:lnRef idx="2">
+          <a:scrgbClr r="0" g="0" b="0"/>
+        </a:lnRef>
+        <a:fillRef idx="1">
+          <a:scrgbClr r="0" g="0" b="0"/>
+        </a:fillRef>
+        <a:effectRef idx="0">
+          <a:scrgbClr r="0" g="0" b="0"/>
+        </a:effectRef>
+        <a:fontRef idx="minor">
+          <a:schemeClr val="lt1"/>
+        </a:fontRef>
+      </dsp:style>
+      <dsp:txBody>
+        <a:bodyPr spcFirstLastPara="0" vert="horz" wrap="square" lIns="10795" tIns="10795" rIns="10795" bIns="10795" numCol="1" spcCol="1270" anchor="ctr" anchorCtr="0">
+          <a:noAutofit/>
+        </a:bodyPr>
+        <a:lstStyle/>
+        <a:p>
+          <a:pPr lvl="0" algn="ctr" defTabSz="755650">
+            <a:lnSpc>
+              <a:spcPct val="90000"/>
+            </a:lnSpc>
+            <a:spcBef>
+              <a:spcPct val="0"/>
+            </a:spcBef>
+            <a:spcAft>
+              <a:spcPct val="35000"/>
+            </a:spcAft>
+          </a:pPr>
+          <a:r>
+            <a:rPr lang="de-DE" sz="1700" kern="1200" dirty="0" smtClean="0"/>
+            <a:t>1898 – </a:t>
+          </a:r>
+          <a:br>
+            <a:rPr lang="de-DE" sz="1700" kern="1200" dirty="0" smtClean="0"/>
+          </a:br>
+          <a:r>
+            <a:rPr lang="de-DE" sz="1700" kern="1200" dirty="0" smtClean="0"/>
+            <a:t>1903</a:t>
+          </a:r>
+          <a:endParaRPr lang="de-DE" sz="1700" kern="1200" dirty="0"/>
+        </a:p>
+      </dsp:txBody>
+      <dsp:txXfrm rot="-5400000">
+        <a:off x="0" y="594699"/>
+        <a:ext cx="1183688" cy="507294"/>
+      </dsp:txXfrm>
+    </dsp:sp>
+    <dsp:sp modelId="{BD7F819A-B2BB-4EDA-9D08-9BAA7460200E}">
+      <dsp:nvSpPr>
+        <dsp:cNvPr id="0" name=""/>
+        <dsp:cNvSpPr/>
+      </dsp:nvSpPr>
+      <dsp:spPr>
+        <a:xfrm rot="5400000">
+          <a:off x="4665410" y="-3478867"/>
+          <a:ext cx="1099138" cy="8062583"/>
+        </a:xfrm>
+        <a:prstGeom prst="round2SameRect">
+          <a:avLst/>
+        </a:prstGeom>
+        <a:solidFill>
+          <a:schemeClr val="lt1">
+            <a:alpha val="90000"/>
+            <a:hueOff val="0"/>
+            <a:satOff val="0"/>
+            <a:lumOff val="0"/>
+            <a:alphaOff val="0"/>
+          </a:schemeClr>
+        </a:solidFill>
+        <a:ln w="19050" cap="rnd" cmpd="sng" algn="ctr">
+          <a:solidFill>
+            <a:schemeClr val="accent1">
+              <a:hueOff val="0"/>
+              <a:satOff val="0"/>
+              <a:lumOff val="0"/>
+              <a:alphaOff val="0"/>
+            </a:schemeClr>
+          </a:solidFill>
+          <a:prstDash val="solid"/>
+        </a:ln>
+        <a:effectLst/>
+      </dsp:spPr>
+      <dsp:style>
+        <a:lnRef idx="2">
+          <a:scrgbClr r="0" g="0" b="0"/>
+        </a:lnRef>
+        <a:fillRef idx="1">
+          <a:scrgbClr r="0" g="0" b="0"/>
+        </a:fillRef>
+        <a:effectRef idx="0">
+          <a:scrgbClr r="0" g="0" b="0"/>
+        </a:effectRef>
+        <a:fontRef idx="minor"/>
+      </dsp:style>
+      <dsp:txBody>
+        <a:bodyPr spcFirstLastPara="0" vert="horz" wrap="square" lIns="149352" tIns="13335" rIns="13335" bIns="13335" numCol="1" spcCol="1270" anchor="ctr" anchorCtr="0">
+          <a:noAutofit/>
+        </a:bodyPr>
+        <a:lstStyle/>
+        <a:p>
+          <a:pPr marL="228600" lvl="1" indent="-228600" algn="l" defTabSz="933450">
+            <a:lnSpc>
+              <a:spcPct val="90000"/>
+            </a:lnSpc>
+            <a:spcBef>
+              <a:spcPct val="0"/>
+            </a:spcBef>
+            <a:spcAft>
+              <a:spcPct val="15000"/>
+            </a:spcAft>
+            <a:buChar char="••"/>
+          </a:pPr>
+          <a:r>
+            <a:rPr lang="de-DE" sz="2100" kern="1200" dirty="0" smtClean="0"/>
+            <a:t>Leipziger Anstalt</a:t>
+          </a:r>
+          <a:endParaRPr lang="de-DE" sz="2100" kern="1200" dirty="0"/>
+        </a:p>
+        <a:p>
+          <a:pPr marL="228600" lvl="1" indent="-228600" algn="l" defTabSz="933450">
+            <a:lnSpc>
+              <a:spcPct val="90000"/>
+            </a:lnSpc>
+            <a:spcBef>
+              <a:spcPct val="0"/>
+            </a:spcBef>
+            <a:spcAft>
+              <a:spcPct val="15000"/>
+            </a:spcAft>
+            <a:buChar char="••"/>
+          </a:pPr>
+          <a:r>
+            <a:rPr lang="de-DE" sz="2100" kern="1200" dirty="0" smtClean="0"/>
+            <a:t>GDT und AFMA</a:t>
+          </a:r>
+          <a:endParaRPr lang="de-DE" sz="2100" kern="1200" dirty="0"/>
+        </a:p>
+      </dsp:txBody>
+      <dsp:txXfrm rot="-5400000">
+        <a:off x="1183688" y="56510"/>
+        <a:ext cx="8008928" cy="991828"/>
+      </dsp:txXfrm>
+    </dsp:sp>
+    <dsp:sp modelId="{A0A87BD8-8A5B-4982-927E-F6EE5E851ED0}">
+      <dsp:nvSpPr>
+        <dsp:cNvPr id="0" name=""/>
+        <dsp:cNvSpPr/>
+      </dsp:nvSpPr>
+      <dsp:spPr>
+        <a:xfrm rot="5400000">
+          <a:off x="-253647" y="1754451"/>
+          <a:ext cx="1690982" cy="1183688"/>
+        </a:xfrm>
+        <a:prstGeom prst="chevron">
+          <a:avLst/>
+        </a:prstGeom>
+        <a:solidFill>
+          <a:schemeClr val="accent1">
+            <a:hueOff val="0"/>
+            <a:satOff val="0"/>
+            <a:lumOff val="0"/>
+            <a:alphaOff val="0"/>
+          </a:schemeClr>
+        </a:solidFill>
+        <a:ln w="19050" cap="rnd" cmpd="sng" algn="ctr">
+          <a:solidFill>
+            <a:schemeClr val="accent1">
+              <a:hueOff val="0"/>
+              <a:satOff val="0"/>
+              <a:lumOff val="0"/>
+              <a:alphaOff val="0"/>
+            </a:schemeClr>
+          </a:solidFill>
+          <a:prstDash val="solid"/>
+        </a:ln>
+        <a:effectLst/>
+      </dsp:spPr>
+      <dsp:style>
+        <a:lnRef idx="2">
+          <a:scrgbClr r="0" g="0" b="0"/>
+        </a:lnRef>
+        <a:fillRef idx="1">
+          <a:scrgbClr r="0" g="0" b="0"/>
+        </a:fillRef>
+        <a:effectRef idx="0">
+          <a:scrgbClr r="0" g="0" b="0"/>
+        </a:effectRef>
+        <a:fontRef idx="minor">
+          <a:schemeClr val="lt1"/>
+        </a:fontRef>
+      </dsp:style>
+      <dsp:txBody>
+        <a:bodyPr spcFirstLastPara="0" vert="horz" wrap="square" lIns="10795" tIns="10795" rIns="10795" bIns="10795" numCol="1" spcCol="1270" anchor="ctr" anchorCtr="0">
+          <a:noAutofit/>
+        </a:bodyPr>
+        <a:lstStyle/>
+        <a:p>
+          <a:pPr lvl="0" algn="ctr" defTabSz="755650">
+            <a:lnSpc>
+              <a:spcPct val="90000"/>
+            </a:lnSpc>
+            <a:spcBef>
+              <a:spcPct val="0"/>
+            </a:spcBef>
+            <a:spcAft>
+              <a:spcPct val="35000"/>
+            </a:spcAft>
+          </a:pPr>
+          <a:r>
+            <a:rPr lang="de-DE" sz="1700" kern="1200" dirty="0" smtClean="0"/>
+            <a:t>1915 – </a:t>
+          </a:r>
+          <a:br>
+            <a:rPr lang="de-DE" sz="1700" kern="1200" dirty="0" smtClean="0"/>
+          </a:br>
+          <a:r>
+            <a:rPr lang="de-DE" sz="1700" kern="1200" dirty="0" smtClean="0"/>
+            <a:t>1930</a:t>
+          </a:r>
+          <a:endParaRPr lang="de-DE" sz="1700" kern="1200" dirty="0"/>
+        </a:p>
+      </dsp:txBody>
+      <dsp:txXfrm rot="-5400000">
+        <a:off x="0" y="2092648"/>
+        <a:ext cx="1183688" cy="507294"/>
+      </dsp:txXfrm>
+    </dsp:sp>
+    <dsp:sp modelId="{676E39E4-F63F-4587-BF84-4735DE803BC2}">
+      <dsp:nvSpPr>
+        <dsp:cNvPr id="0" name=""/>
+        <dsp:cNvSpPr/>
+      </dsp:nvSpPr>
+      <dsp:spPr>
+        <a:xfrm rot="5400000">
+          <a:off x="4665410" y="-1980917"/>
+          <a:ext cx="1099138" cy="8062583"/>
+        </a:xfrm>
+        <a:prstGeom prst="round2SameRect">
+          <a:avLst/>
+        </a:prstGeom>
+        <a:solidFill>
+          <a:schemeClr val="lt1">
+            <a:alpha val="90000"/>
+            <a:hueOff val="0"/>
+            <a:satOff val="0"/>
+            <a:lumOff val="0"/>
+            <a:alphaOff val="0"/>
+          </a:schemeClr>
+        </a:solidFill>
+        <a:ln w="19050" cap="rnd" cmpd="sng" algn="ctr">
+          <a:solidFill>
+            <a:schemeClr val="accent1">
+              <a:hueOff val="0"/>
+              <a:satOff val="0"/>
+              <a:lumOff val="0"/>
+              <a:alphaOff val="0"/>
+            </a:schemeClr>
+          </a:solidFill>
+          <a:prstDash val="solid"/>
+        </a:ln>
+        <a:effectLst/>
+      </dsp:spPr>
+      <dsp:style>
+        <a:lnRef idx="2">
+          <a:scrgbClr r="0" g="0" b="0"/>
+        </a:lnRef>
+        <a:fillRef idx="1">
+          <a:scrgbClr r="0" g="0" b="0"/>
+        </a:fillRef>
+        <a:effectRef idx="0">
+          <a:scrgbClr r="0" g="0" b="0"/>
+        </a:effectRef>
+        <a:fontRef idx="minor"/>
+      </dsp:style>
+      <dsp:txBody>
+        <a:bodyPr spcFirstLastPara="0" vert="horz" wrap="square" lIns="149352" tIns="13335" rIns="13335" bIns="13335" numCol="1" spcCol="1270" anchor="ctr" anchorCtr="0">
+          <a:noAutofit/>
+        </a:bodyPr>
+        <a:lstStyle/>
+        <a:p>
+          <a:pPr marL="228600" lvl="1" indent="-228600" algn="l" defTabSz="933450">
+            <a:lnSpc>
+              <a:spcPct val="90000"/>
+            </a:lnSpc>
+            <a:spcBef>
+              <a:spcPct val="0"/>
+            </a:spcBef>
+            <a:spcAft>
+              <a:spcPct val="15000"/>
+            </a:spcAft>
+            <a:buChar char="••"/>
+          </a:pPr>
+          <a:r>
+            <a:rPr lang="de-DE" sz="2100" kern="1200" dirty="0" smtClean="0"/>
+            <a:t>„Alte GEMA“</a:t>
+          </a:r>
+          <a:endParaRPr lang="de-DE" sz="2100" kern="1200" dirty="0"/>
+        </a:p>
+        <a:p>
+          <a:pPr marL="228600" lvl="1" indent="-228600" algn="l" defTabSz="933450">
+            <a:lnSpc>
+              <a:spcPct val="90000"/>
+            </a:lnSpc>
+            <a:spcBef>
+              <a:spcPct val="0"/>
+            </a:spcBef>
+            <a:spcAft>
+              <a:spcPct val="15000"/>
+            </a:spcAft>
+            <a:buChar char="••"/>
+          </a:pPr>
+          <a:r>
+            <a:rPr lang="de-DE" sz="2100" kern="1200" dirty="0" smtClean="0"/>
+            <a:t>Musikschutzverbände</a:t>
+          </a:r>
+          <a:endParaRPr lang="de-DE" sz="2100" kern="1200" dirty="0"/>
+        </a:p>
+      </dsp:txBody>
+      <dsp:txXfrm rot="-5400000">
+        <a:off x="1183688" y="1554460"/>
+        <a:ext cx="8008928" cy="991828"/>
+      </dsp:txXfrm>
+    </dsp:sp>
+    <dsp:sp modelId="{A5FAA08F-FE63-4D35-B418-6F9A07F43F85}">
+      <dsp:nvSpPr>
+        <dsp:cNvPr id="0" name=""/>
+        <dsp:cNvSpPr/>
+      </dsp:nvSpPr>
+      <dsp:spPr>
+        <a:xfrm rot="5400000">
+          <a:off x="-253647" y="3252401"/>
+          <a:ext cx="1690982" cy="1183688"/>
+        </a:xfrm>
+        <a:prstGeom prst="chevron">
+          <a:avLst/>
+        </a:prstGeom>
+        <a:solidFill>
+          <a:schemeClr val="accent1">
+            <a:hueOff val="0"/>
+            <a:satOff val="0"/>
+            <a:lumOff val="0"/>
+            <a:alphaOff val="0"/>
+          </a:schemeClr>
+        </a:solidFill>
+        <a:ln w="19050" cap="rnd" cmpd="sng" algn="ctr">
+          <a:solidFill>
+            <a:schemeClr val="accent1">
+              <a:hueOff val="0"/>
+              <a:satOff val="0"/>
+              <a:lumOff val="0"/>
+              <a:alphaOff val="0"/>
+            </a:schemeClr>
+          </a:solidFill>
+          <a:prstDash val="solid"/>
+        </a:ln>
+        <a:effectLst/>
+      </dsp:spPr>
+      <dsp:style>
+        <a:lnRef idx="2">
+          <a:scrgbClr r="0" g="0" b="0"/>
+        </a:lnRef>
+        <a:fillRef idx="1">
+          <a:scrgbClr r="0" g="0" b="0"/>
+        </a:fillRef>
+        <a:effectRef idx="0">
+          <a:scrgbClr r="0" g="0" b="0"/>
+        </a:effectRef>
+        <a:fontRef idx="minor">
+          <a:schemeClr val="lt1"/>
+        </a:fontRef>
+      </dsp:style>
+      <dsp:txBody>
+        <a:bodyPr spcFirstLastPara="0" vert="horz" wrap="square" lIns="10795" tIns="10795" rIns="10795" bIns="10795" numCol="1" spcCol="1270" anchor="ctr" anchorCtr="0">
+          <a:noAutofit/>
+        </a:bodyPr>
+        <a:lstStyle/>
+        <a:p>
+          <a:pPr lvl="0" algn="ctr" defTabSz="755650">
+            <a:lnSpc>
+              <a:spcPct val="90000"/>
+            </a:lnSpc>
+            <a:spcBef>
+              <a:spcPct val="0"/>
+            </a:spcBef>
+            <a:spcAft>
+              <a:spcPct val="35000"/>
+            </a:spcAft>
+          </a:pPr>
+          <a:r>
+            <a:rPr lang="de-DE" sz="1700" kern="1200" dirty="0" smtClean="0"/>
+            <a:t>1933 – </a:t>
+          </a:r>
+          <a:br>
+            <a:rPr lang="de-DE" sz="1700" kern="1200" dirty="0" smtClean="0"/>
+          </a:br>
+          <a:r>
+            <a:rPr lang="de-DE" sz="1700" kern="1200" dirty="0" smtClean="0"/>
+            <a:t>1947</a:t>
+          </a:r>
+          <a:endParaRPr lang="de-DE" sz="1700" kern="1200" dirty="0"/>
+        </a:p>
+      </dsp:txBody>
+      <dsp:txXfrm rot="-5400000">
+        <a:off x="0" y="3590598"/>
+        <a:ext cx="1183688" cy="507294"/>
+      </dsp:txXfrm>
+    </dsp:sp>
+    <dsp:sp modelId="{20D114E1-CDED-4B33-B6B5-38B950297F4C}">
+      <dsp:nvSpPr>
+        <dsp:cNvPr id="0" name=""/>
+        <dsp:cNvSpPr/>
+      </dsp:nvSpPr>
+      <dsp:spPr>
+        <a:xfrm rot="5400000">
+          <a:off x="4665410" y="-482968"/>
+          <a:ext cx="1099138" cy="8062583"/>
+        </a:xfrm>
+        <a:prstGeom prst="round2SameRect">
+          <a:avLst/>
+        </a:prstGeom>
+        <a:solidFill>
+          <a:schemeClr val="lt1">
+            <a:alpha val="90000"/>
+            <a:hueOff val="0"/>
+            <a:satOff val="0"/>
+            <a:lumOff val="0"/>
+            <a:alphaOff val="0"/>
+          </a:schemeClr>
+        </a:solidFill>
+        <a:ln w="19050" cap="rnd" cmpd="sng" algn="ctr">
+          <a:solidFill>
+            <a:schemeClr val="accent1">
+              <a:hueOff val="0"/>
+              <a:satOff val="0"/>
+              <a:lumOff val="0"/>
+              <a:alphaOff val="0"/>
+            </a:schemeClr>
+          </a:solidFill>
+          <a:prstDash val="solid"/>
+        </a:ln>
+        <a:effectLst/>
+      </dsp:spPr>
+      <dsp:style>
+        <a:lnRef idx="2">
+          <a:scrgbClr r="0" g="0" b="0"/>
+        </a:lnRef>
+        <a:fillRef idx="1">
+          <a:scrgbClr r="0" g="0" b="0"/>
+        </a:fillRef>
+        <a:effectRef idx="0">
+          <a:scrgbClr r="0" g="0" b="0"/>
+        </a:effectRef>
+        <a:fontRef idx="minor"/>
+      </dsp:style>
+      <dsp:txBody>
+        <a:bodyPr spcFirstLastPara="0" vert="horz" wrap="square" lIns="149352" tIns="13335" rIns="13335" bIns="13335" numCol="1" spcCol="1270" anchor="ctr" anchorCtr="0">
+          <a:noAutofit/>
+        </a:bodyPr>
+        <a:lstStyle/>
+        <a:p>
+          <a:pPr marL="228600" lvl="1" indent="-228600" algn="l" defTabSz="933450">
+            <a:lnSpc>
+              <a:spcPct val="90000"/>
+            </a:lnSpc>
+            <a:spcBef>
+              <a:spcPct val="0"/>
+            </a:spcBef>
+            <a:spcAft>
+              <a:spcPct val="15000"/>
+            </a:spcAft>
+            <a:buChar char="••"/>
+          </a:pPr>
+          <a:r>
+            <a:rPr lang="de-DE" sz="2100" kern="1200" dirty="0" smtClean="0"/>
+            <a:t>Gesetz über die Vermittlung von Musikaufführungsrechten</a:t>
+          </a:r>
+          <a:endParaRPr lang="de-DE" sz="2100" kern="1200" dirty="0"/>
+        </a:p>
+        <a:p>
+          <a:pPr marL="228600" lvl="1" indent="-228600" algn="l" defTabSz="933450">
+            <a:lnSpc>
+              <a:spcPct val="90000"/>
+            </a:lnSpc>
+            <a:spcBef>
+              <a:spcPct val="0"/>
+            </a:spcBef>
+            <a:spcAft>
+              <a:spcPct val="15000"/>
+            </a:spcAft>
+            <a:buChar char="••"/>
+          </a:pPr>
+          <a:r>
+            <a:rPr lang="de-DE" sz="2100" kern="1200" dirty="0" err="1" smtClean="0"/>
+            <a:t>Stagma</a:t>
+          </a:r>
+          <a:endParaRPr lang="de-DE" sz="2100" kern="1200" dirty="0"/>
+        </a:p>
+      </dsp:txBody>
+      <dsp:txXfrm rot="-5400000">
+        <a:off x="1183688" y="3052409"/>
+        <a:ext cx="8008928" cy="991828"/>
+      </dsp:txXfrm>
+    </dsp:sp>
   </dsp:spTree>
 </dsp:drawing>
 </file>
@@ -6413,6 +7742,298 @@
       <dsp:cNvGrpSpPr/>
     </dsp:nvGrpSpPr>
     <dsp:grpSpPr/>
+    <dsp:sp modelId="{3BD092F1-1605-48D9-B48D-1BF01C9183E9}">
+      <dsp:nvSpPr>
+        <dsp:cNvPr id="0" name=""/>
+        <dsp:cNvSpPr/>
+      </dsp:nvSpPr>
+      <dsp:spPr>
+        <a:xfrm>
+          <a:off x="693359" y="0"/>
+          <a:ext cx="7858080" cy="4694400"/>
+        </a:xfrm>
+        <a:prstGeom prst="rightArrow">
+          <a:avLst/>
+        </a:prstGeom>
+        <a:solidFill>
+          <a:schemeClr val="accent1">
+            <a:tint val="40000"/>
+            <a:hueOff val="0"/>
+            <a:satOff val="0"/>
+            <a:lumOff val="0"/>
+            <a:alphaOff val="0"/>
+          </a:schemeClr>
+        </a:solidFill>
+        <a:ln>
+          <a:noFill/>
+        </a:ln>
+        <a:effectLst/>
+      </dsp:spPr>
+      <dsp:style>
+        <a:lnRef idx="0">
+          <a:scrgbClr r="0" g="0" b="0"/>
+        </a:lnRef>
+        <a:fillRef idx="1">
+          <a:scrgbClr r="0" g="0" b="0"/>
+        </a:fillRef>
+        <a:effectRef idx="0">
+          <a:scrgbClr r="0" g="0" b="0"/>
+        </a:effectRef>
+        <a:fontRef idx="minor"/>
+      </dsp:style>
+    </dsp:sp>
+    <dsp:sp modelId="{D4EF864B-C8F8-4F69-A4B2-7B9171FA937C}">
+      <dsp:nvSpPr>
+        <dsp:cNvPr id="0" name=""/>
+        <dsp:cNvSpPr/>
+      </dsp:nvSpPr>
+      <dsp:spPr>
+        <a:xfrm>
+          <a:off x="9930" y="1408320"/>
+          <a:ext cx="2975670" cy="1877760"/>
+        </a:xfrm>
+        <a:prstGeom prst="roundRect">
+          <a:avLst/>
+        </a:prstGeom>
+        <a:solidFill>
+          <a:schemeClr val="accent1">
+            <a:hueOff val="0"/>
+            <a:satOff val="0"/>
+            <a:lumOff val="0"/>
+            <a:alphaOff val="0"/>
+          </a:schemeClr>
+        </a:solidFill>
+        <a:ln w="19050" cap="rnd" cmpd="sng" algn="ctr">
+          <a:solidFill>
+            <a:schemeClr val="lt1">
+              <a:hueOff val="0"/>
+              <a:satOff val="0"/>
+              <a:lumOff val="0"/>
+              <a:alphaOff val="0"/>
+            </a:schemeClr>
+          </a:solidFill>
+          <a:prstDash val="solid"/>
+        </a:ln>
+        <a:effectLst/>
+      </dsp:spPr>
+      <dsp:style>
+        <a:lnRef idx="2">
+          <a:scrgbClr r="0" g="0" b="0"/>
+        </a:lnRef>
+        <a:fillRef idx="1">
+          <a:scrgbClr r="0" g="0" b="0"/>
+        </a:fillRef>
+        <a:effectRef idx="0">
+          <a:scrgbClr r="0" g="0" b="0"/>
+        </a:effectRef>
+        <a:fontRef idx="minor">
+          <a:schemeClr val="lt1"/>
+        </a:fontRef>
+      </dsp:style>
+      <dsp:txBody>
+        <a:bodyPr spcFirstLastPara="0" vert="horz" wrap="square" lIns="91440" tIns="91440" rIns="91440" bIns="91440" numCol="1" spcCol="1270" anchor="ctr" anchorCtr="0">
+          <a:noAutofit/>
+        </a:bodyPr>
+        <a:lstStyle/>
+        <a:p>
+          <a:pPr lvl="0" algn="ctr" defTabSz="1066800">
+            <a:lnSpc>
+              <a:spcPct val="90000"/>
+            </a:lnSpc>
+            <a:spcBef>
+              <a:spcPct val="0"/>
+            </a:spcBef>
+            <a:spcAft>
+              <a:spcPct val="35000"/>
+            </a:spcAft>
+          </a:pPr>
+          <a:r>
+            <a:rPr lang="de-DE" sz="2400" kern="1200" dirty="0" smtClean="0"/>
+            <a:t>Angeschlossene Mitglieder</a:t>
+          </a:r>
+          <a:br>
+            <a:rPr lang="de-DE" sz="2400" kern="1200" dirty="0" smtClean="0"/>
+          </a:br>
+          <a:r>
+            <a:rPr lang="de-DE" sz="2400" kern="1200" dirty="0" smtClean="0"/>
+            <a:t>(56.143)</a:t>
+          </a:r>
+          <a:endParaRPr lang="de-DE" sz="2400" kern="1200" dirty="0"/>
+        </a:p>
+      </dsp:txBody>
+      <dsp:txXfrm>
+        <a:off x="101595" y="1499985"/>
+        <a:ext cx="2792340" cy="1694430"/>
+      </dsp:txXfrm>
+    </dsp:sp>
+    <dsp:sp modelId="{D78A25AF-CE22-413C-92FE-0967F0379AF8}">
+      <dsp:nvSpPr>
+        <dsp:cNvPr id="0" name=""/>
+        <dsp:cNvSpPr/>
+      </dsp:nvSpPr>
+      <dsp:spPr>
+        <a:xfrm>
+          <a:off x="3134564" y="1408320"/>
+          <a:ext cx="2975670" cy="1877760"/>
+        </a:xfrm>
+        <a:prstGeom prst="roundRect">
+          <a:avLst/>
+        </a:prstGeom>
+        <a:solidFill>
+          <a:schemeClr val="accent1">
+            <a:hueOff val="0"/>
+            <a:satOff val="0"/>
+            <a:lumOff val="0"/>
+            <a:alphaOff val="0"/>
+          </a:schemeClr>
+        </a:solidFill>
+        <a:ln w="19050" cap="rnd" cmpd="sng" algn="ctr">
+          <a:solidFill>
+            <a:schemeClr val="lt1">
+              <a:hueOff val="0"/>
+              <a:satOff val="0"/>
+              <a:lumOff val="0"/>
+              <a:alphaOff val="0"/>
+            </a:schemeClr>
+          </a:solidFill>
+          <a:prstDash val="solid"/>
+        </a:ln>
+        <a:effectLst/>
+      </dsp:spPr>
+      <dsp:style>
+        <a:lnRef idx="2">
+          <a:scrgbClr r="0" g="0" b="0"/>
+        </a:lnRef>
+        <a:fillRef idx="1">
+          <a:scrgbClr r="0" g="0" b="0"/>
+        </a:fillRef>
+        <a:effectRef idx="0">
+          <a:scrgbClr r="0" g="0" b="0"/>
+        </a:effectRef>
+        <a:fontRef idx="minor">
+          <a:schemeClr val="lt1"/>
+        </a:fontRef>
+      </dsp:style>
+      <dsp:txBody>
+        <a:bodyPr spcFirstLastPara="0" vert="horz" wrap="square" lIns="91440" tIns="91440" rIns="91440" bIns="91440" numCol="1" spcCol="1270" anchor="ctr" anchorCtr="0">
+          <a:noAutofit/>
+        </a:bodyPr>
+        <a:lstStyle/>
+        <a:p>
+          <a:pPr lvl="0" algn="ctr" defTabSz="1066800">
+            <a:lnSpc>
+              <a:spcPct val="90000"/>
+            </a:lnSpc>
+            <a:spcBef>
+              <a:spcPct val="0"/>
+            </a:spcBef>
+            <a:spcAft>
+              <a:spcPct val="35000"/>
+            </a:spcAft>
+          </a:pPr>
+          <a:r>
+            <a:rPr lang="de-DE" sz="2400" kern="1200" dirty="0" smtClean="0"/>
+            <a:t>Außerordentliche Mitglieder</a:t>
+          </a:r>
+          <a:br>
+            <a:rPr lang="de-DE" sz="2400" kern="1200" dirty="0" smtClean="0"/>
+          </a:br>
+          <a:r>
+            <a:rPr lang="de-DE" sz="2400" kern="1200" dirty="0" smtClean="0"/>
+            <a:t>(6.395)</a:t>
+          </a:r>
+          <a:endParaRPr lang="de-DE" sz="2400" kern="1200" dirty="0"/>
+        </a:p>
+      </dsp:txBody>
+      <dsp:txXfrm>
+        <a:off x="3226229" y="1499985"/>
+        <a:ext cx="2792340" cy="1694430"/>
+      </dsp:txXfrm>
+    </dsp:sp>
+    <dsp:sp modelId="{95ECFDD0-7383-4E96-B366-7B2C82885B45}">
+      <dsp:nvSpPr>
+        <dsp:cNvPr id="0" name=""/>
+        <dsp:cNvSpPr/>
+      </dsp:nvSpPr>
+      <dsp:spPr>
+        <a:xfrm>
+          <a:off x="6259199" y="1408320"/>
+          <a:ext cx="2975670" cy="1877760"/>
+        </a:xfrm>
+        <a:prstGeom prst="roundRect">
+          <a:avLst/>
+        </a:prstGeom>
+        <a:solidFill>
+          <a:schemeClr val="accent1">
+            <a:hueOff val="0"/>
+            <a:satOff val="0"/>
+            <a:lumOff val="0"/>
+            <a:alphaOff val="0"/>
+          </a:schemeClr>
+        </a:solidFill>
+        <a:ln w="19050" cap="rnd" cmpd="sng" algn="ctr">
+          <a:solidFill>
+            <a:schemeClr val="lt1">
+              <a:hueOff val="0"/>
+              <a:satOff val="0"/>
+              <a:lumOff val="0"/>
+              <a:alphaOff val="0"/>
+            </a:schemeClr>
+          </a:solidFill>
+          <a:prstDash val="solid"/>
+        </a:ln>
+        <a:effectLst/>
+      </dsp:spPr>
+      <dsp:style>
+        <a:lnRef idx="2">
+          <a:scrgbClr r="0" g="0" b="0"/>
+        </a:lnRef>
+        <a:fillRef idx="1">
+          <a:scrgbClr r="0" g="0" b="0"/>
+        </a:fillRef>
+        <a:effectRef idx="0">
+          <a:scrgbClr r="0" g="0" b="0"/>
+        </a:effectRef>
+        <a:fontRef idx="minor">
+          <a:schemeClr val="lt1"/>
+        </a:fontRef>
+      </dsp:style>
+      <dsp:txBody>
+        <a:bodyPr spcFirstLastPara="0" vert="horz" wrap="square" lIns="91440" tIns="91440" rIns="91440" bIns="91440" numCol="1" spcCol="1270" anchor="ctr" anchorCtr="0">
+          <a:noAutofit/>
+        </a:bodyPr>
+        <a:lstStyle/>
+        <a:p>
+          <a:pPr lvl="0" algn="ctr" defTabSz="1066800">
+            <a:lnSpc>
+              <a:spcPct val="90000"/>
+            </a:lnSpc>
+            <a:spcBef>
+              <a:spcPct val="0"/>
+            </a:spcBef>
+            <a:spcAft>
+              <a:spcPct val="35000"/>
+            </a:spcAft>
+          </a:pPr>
+          <a:r>
+            <a:rPr lang="de-DE" sz="2400" kern="1200" dirty="0" smtClean="0"/>
+            <a:t>Ordentliche Mitglieder</a:t>
+          </a:r>
+          <a:br>
+            <a:rPr lang="de-DE" sz="2400" kern="1200" dirty="0" smtClean="0"/>
+          </a:br>
+          <a:r>
+            <a:rPr lang="de-DE" sz="2400" kern="1200" dirty="0" smtClean="0"/>
+            <a:t>(3.825)</a:t>
+          </a:r>
+          <a:endParaRPr lang="de-DE" sz="2400" kern="1200" dirty="0"/>
+        </a:p>
+      </dsp:txBody>
+      <dsp:txXfrm>
+        <a:off x="6350864" y="1499985"/>
+        <a:ext cx="2792340" cy="1694430"/>
+      </dsp:txXfrm>
+    </dsp:sp>
   </dsp:spTree>
 </dsp:drawing>
 </file>
@@ -6425,6 +8046,534 @@
       <dsp:cNvGrpSpPr/>
     </dsp:nvGrpSpPr>
     <dsp:grpSpPr/>
+    <dsp:sp modelId="{8F156EA4-3BB2-4D66-837C-FA950FEF765F}">
+      <dsp:nvSpPr>
+        <dsp:cNvPr id="0" name=""/>
+        <dsp:cNvSpPr/>
+      </dsp:nvSpPr>
+      <dsp:spPr>
+        <a:xfrm rot="5400000">
+          <a:off x="5681326" y="-2199621"/>
+          <a:ext cx="1210275" cy="5916672"/>
+        </a:xfrm>
+        <a:prstGeom prst="round2SameRect">
+          <a:avLst/>
+        </a:prstGeom>
+        <a:solidFill>
+          <a:schemeClr val="accent1">
+            <a:alpha val="90000"/>
+            <a:tint val="40000"/>
+            <a:hueOff val="0"/>
+            <a:satOff val="0"/>
+            <a:lumOff val="0"/>
+            <a:alphaOff val="0"/>
+          </a:schemeClr>
+        </a:solidFill>
+        <a:ln w="19050" cap="rnd" cmpd="sng" algn="ctr">
+          <a:solidFill>
+            <a:schemeClr val="accent1">
+              <a:alpha val="90000"/>
+              <a:tint val="40000"/>
+              <a:hueOff val="0"/>
+              <a:satOff val="0"/>
+              <a:lumOff val="0"/>
+              <a:alphaOff val="0"/>
+            </a:schemeClr>
+          </a:solidFill>
+          <a:prstDash val="solid"/>
+        </a:ln>
+        <a:effectLst/>
+      </dsp:spPr>
+      <dsp:style>
+        <a:lnRef idx="2">
+          <a:scrgbClr r="0" g="0" b="0"/>
+        </a:lnRef>
+        <a:fillRef idx="1">
+          <a:scrgbClr r="0" g="0" b="0"/>
+        </a:fillRef>
+        <a:effectRef idx="0">
+          <a:scrgbClr r="0" g="0" b="0"/>
+        </a:effectRef>
+        <a:fontRef idx="minor"/>
+      </dsp:style>
+      <dsp:txBody>
+        <a:bodyPr spcFirstLastPara="0" vert="horz" wrap="square" lIns="83820" tIns="41910" rIns="83820" bIns="41910" numCol="1" spcCol="1270" anchor="ctr" anchorCtr="0">
+          <a:noAutofit/>
+        </a:bodyPr>
+        <a:lstStyle/>
+        <a:p>
+          <a:pPr marL="228600" lvl="1" indent="-228600" algn="l" defTabSz="977900">
+            <a:lnSpc>
+              <a:spcPct val="90000"/>
+            </a:lnSpc>
+            <a:spcBef>
+              <a:spcPct val="0"/>
+            </a:spcBef>
+            <a:spcAft>
+              <a:spcPct val="15000"/>
+            </a:spcAft>
+            <a:buChar char="••"/>
+          </a:pPr>
+          <a:r>
+            <a:rPr lang="de-DE" sz="2200" kern="1200" dirty="0" smtClean="0"/>
+            <a:t>Urheberrechtsgesetz</a:t>
+          </a:r>
+          <a:endParaRPr lang="de-DE" sz="2200" kern="1200" dirty="0"/>
+        </a:p>
+        <a:p>
+          <a:pPr marL="228600" lvl="1" indent="-228600" algn="l" defTabSz="977900">
+            <a:lnSpc>
+              <a:spcPct val="90000"/>
+            </a:lnSpc>
+            <a:spcBef>
+              <a:spcPct val="0"/>
+            </a:spcBef>
+            <a:spcAft>
+              <a:spcPct val="15000"/>
+            </a:spcAft>
+            <a:buChar char="••"/>
+          </a:pPr>
+          <a:r>
+            <a:rPr lang="de-DE" sz="2200" kern="1200" dirty="0" smtClean="0"/>
+            <a:t>Grundlage: Schutz von geistigem Eigentum</a:t>
+          </a:r>
+          <a:endParaRPr lang="de-DE" sz="2200" kern="1200" dirty="0"/>
+        </a:p>
+      </dsp:txBody>
+      <dsp:txXfrm rot="-5400000">
+        <a:off x="3328128" y="212658"/>
+        <a:ext cx="5857591" cy="1092113"/>
+      </dsp:txXfrm>
+    </dsp:sp>
+    <dsp:sp modelId="{B28279A3-7678-4454-A531-5BD6D3E7932D}">
+      <dsp:nvSpPr>
+        <dsp:cNvPr id="0" name=""/>
+        <dsp:cNvSpPr/>
+      </dsp:nvSpPr>
+      <dsp:spPr>
+        <a:xfrm>
+          <a:off x="0" y="2292"/>
+          <a:ext cx="3328128" cy="1512843"/>
+        </a:xfrm>
+        <a:prstGeom prst="roundRect">
+          <a:avLst/>
+        </a:prstGeom>
+        <a:solidFill>
+          <a:schemeClr val="accent1">
+            <a:hueOff val="0"/>
+            <a:satOff val="0"/>
+            <a:lumOff val="0"/>
+            <a:alphaOff val="0"/>
+          </a:schemeClr>
+        </a:solidFill>
+        <a:ln w="19050" cap="rnd" cmpd="sng" algn="ctr">
+          <a:solidFill>
+            <a:schemeClr val="lt1">
+              <a:hueOff val="0"/>
+              <a:satOff val="0"/>
+              <a:lumOff val="0"/>
+              <a:alphaOff val="0"/>
+            </a:schemeClr>
+          </a:solidFill>
+          <a:prstDash val="solid"/>
+        </a:ln>
+        <a:effectLst/>
+      </dsp:spPr>
+      <dsp:style>
+        <a:lnRef idx="2">
+          <a:scrgbClr r="0" g="0" b="0"/>
+        </a:lnRef>
+        <a:fillRef idx="1">
+          <a:scrgbClr r="0" g="0" b="0"/>
+        </a:fillRef>
+        <a:effectRef idx="0">
+          <a:scrgbClr r="0" g="0" b="0"/>
+        </a:effectRef>
+        <a:fontRef idx="minor">
+          <a:schemeClr val="lt1"/>
+        </a:fontRef>
+      </dsp:style>
+      <dsp:txBody>
+        <a:bodyPr spcFirstLastPara="0" vert="horz" wrap="square" lIns="224790" tIns="112395" rIns="224790" bIns="112395" numCol="1" spcCol="1270" anchor="ctr" anchorCtr="0">
+          <a:noAutofit/>
+        </a:bodyPr>
+        <a:lstStyle/>
+        <a:p>
+          <a:pPr lvl="0" algn="ctr" defTabSz="2622550">
+            <a:lnSpc>
+              <a:spcPct val="90000"/>
+            </a:lnSpc>
+            <a:spcBef>
+              <a:spcPct val="0"/>
+            </a:spcBef>
+            <a:spcAft>
+              <a:spcPct val="35000"/>
+            </a:spcAft>
+          </a:pPr>
+          <a:r>
+            <a:rPr lang="de-DE" sz="5900" kern="1200" dirty="0" smtClean="0"/>
+            <a:t>UrhG</a:t>
+          </a:r>
+          <a:endParaRPr lang="de-DE" sz="5900" kern="1200" dirty="0"/>
+        </a:p>
+      </dsp:txBody>
+      <dsp:txXfrm>
+        <a:off x="73851" y="76143"/>
+        <a:ext cx="3180426" cy="1365141"/>
+      </dsp:txXfrm>
+    </dsp:sp>
+    <dsp:sp modelId="{E857EAA2-415C-428A-9DBF-B03693110E5C}">
+      <dsp:nvSpPr>
+        <dsp:cNvPr id="0" name=""/>
+        <dsp:cNvSpPr/>
+      </dsp:nvSpPr>
+      <dsp:spPr>
+        <a:xfrm rot="5400000">
+          <a:off x="5681326" y="-611136"/>
+          <a:ext cx="1210275" cy="5916672"/>
+        </a:xfrm>
+        <a:prstGeom prst="round2SameRect">
+          <a:avLst/>
+        </a:prstGeom>
+        <a:solidFill>
+          <a:schemeClr val="accent1">
+            <a:alpha val="90000"/>
+            <a:tint val="40000"/>
+            <a:hueOff val="0"/>
+            <a:satOff val="0"/>
+            <a:lumOff val="0"/>
+            <a:alphaOff val="0"/>
+          </a:schemeClr>
+        </a:solidFill>
+        <a:ln w="19050" cap="rnd" cmpd="sng" algn="ctr">
+          <a:solidFill>
+            <a:schemeClr val="accent1">
+              <a:alpha val="90000"/>
+              <a:tint val="40000"/>
+              <a:hueOff val="0"/>
+              <a:satOff val="0"/>
+              <a:lumOff val="0"/>
+              <a:alphaOff val="0"/>
+            </a:schemeClr>
+          </a:solidFill>
+          <a:prstDash val="solid"/>
+        </a:ln>
+        <a:effectLst/>
+      </dsp:spPr>
+      <dsp:style>
+        <a:lnRef idx="2">
+          <a:scrgbClr r="0" g="0" b="0"/>
+        </a:lnRef>
+        <a:fillRef idx="1">
+          <a:scrgbClr r="0" g="0" b="0"/>
+        </a:fillRef>
+        <a:effectRef idx="0">
+          <a:scrgbClr r="0" g="0" b="0"/>
+        </a:effectRef>
+        <a:fontRef idx="minor"/>
+      </dsp:style>
+      <dsp:txBody>
+        <a:bodyPr spcFirstLastPara="0" vert="horz" wrap="square" lIns="83820" tIns="41910" rIns="83820" bIns="41910" numCol="1" spcCol="1270" anchor="ctr" anchorCtr="0">
+          <a:noAutofit/>
+        </a:bodyPr>
+        <a:lstStyle/>
+        <a:p>
+          <a:pPr marL="228600" lvl="1" indent="-228600" algn="l" defTabSz="977900">
+            <a:lnSpc>
+              <a:spcPct val="90000"/>
+            </a:lnSpc>
+            <a:spcBef>
+              <a:spcPct val="0"/>
+            </a:spcBef>
+            <a:spcAft>
+              <a:spcPct val="15000"/>
+            </a:spcAft>
+            <a:buChar char="••"/>
+          </a:pPr>
+          <a:r>
+            <a:rPr lang="de-DE" sz="2200" kern="1200" dirty="0" smtClean="0"/>
+            <a:t>Urheberrechtswahrnehmungsgesetz</a:t>
+          </a:r>
+          <a:endParaRPr lang="de-DE" sz="2200" kern="1200" dirty="0"/>
+        </a:p>
+        <a:p>
+          <a:pPr marL="228600" lvl="1" indent="-228600" algn="l" defTabSz="977900">
+            <a:lnSpc>
+              <a:spcPct val="90000"/>
+            </a:lnSpc>
+            <a:spcBef>
+              <a:spcPct val="0"/>
+            </a:spcBef>
+            <a:spcAft>
+              <a:spcPct val="15000"/>
+            </a:spcAft>
+            <a:buChar char="••"/>
+          </a:pPr>
+          <a:r>
+            <a:rPr lang="de-DE" sz="2200" kern="1200" dirty="0" smtClean="0"/>
+            <a:t>1. Januar 1966 bis 31. Mai 2016</a:t>
+          </a:r>
+          <a:endParaRPr lang="de-DE" sz="2200" kern="1200" dirty="0"/>
+        </a:p>
+      </dsp:txBody>
+      <dsp:txXfrm rot="-5400000">
+        <a:off x="3328128" y="1801143"/>
+        <a:ext cx="5857591" cy="1092113"/>
+      </dsp:txXfrm>
+    </dsp:sp>
+    <dsp:sp modelId="{672EAE0B-3128-4B9E-9B14-AA92E11F913B}">
+      <dsp:nvSpPr>
+        <dsp:cNvPr id="0" name=""/>
+        <dsp:cNvSpPr/>
+      </dsp:nvSpPr>
+      <dsp:spPr>
+        <a:xfrm>
+          <a:off x="0" y="1590778"/>
+          <a:ext cx="3328128" cy="1512843"/>
+        </a:xfrm>
+        <a:prstGeom prst="roundRect">
+          <a:avLst/>
+        </a:prstGeom>
+        <a:solidFill>
+          <a:schemeClr val="accent1">
+            <a:hueOff val="0"/>
+            <a:satOff val="0"/>
+            <a:lumOff val="0"/>
+            <a:alphaOff val="0"/>
+          </a:schemeClr>
+        </a:solidFill>
+        <a:ln w="19050" cap="rnd" cmpd="sng" algn="ctr">
+          <a:solidFill>
+            <a:schemeClr val="lt1">
+              <a:hueOff val="0"/>
+              <a:satOff val="0"/>
+              <a:lumOff val="0"/>
+              <a:alphaOff val="0"/>
+            </a:schemeClr>
+          </a:solidFill>
+          <a:prstDash val="solid"/>
+        </a:ln>
+        <a:effectLst/>
+      </dsp:spPr>
+      <dsp:style>
+        <a:lnRef idx="2">
+          <a:scrgbClr r="0" g="0" b="0"/>
+        </a:lnRef>
+        <a:fillRef idx="1">
+          <a:scrgbClr r="0" g="0" b="0"/>
+        </a:fillRef>
+        <a:effectRef idx="0">
+          <a:scrgbClr r="0" g="0" b="0"/>
+        </a:effectRef>
+        <a:fontRef idx="minor">
+          <a:schemeClr val="lt1"/>
+        </a:fontRef>
+      </dsp:style>
+      <dsp:txBody>
+        <a:bodyPr spcFirstLastPara="0" vert="horz" wrap="square" lIns="224790" tIns="112395" rIns="224790" bIns="112395" numCol="1" spcCol="1270" anchor="ctr" anchorCtr="0">
+          <a:noAutofit/>
+        </a:bodyPr>
+        <a:lstStyle/>
+        <a:p>
+          <a:pPr lvl="0" algn="ctr" defTabSz="2622550">
+            <a:lnSpc>
+              <a:spcPct val="90000"/>
+            </a:lnSpc>
+            <a:spcBef>
+              <a:spcPct val="0"/>
+            </a:spcBef>
+            <a:spcAft>
+              <a:spcPct val="35000"/>
+            </a:spcAft>
+          </a:pPr>
+          <a:r>
+            <a:rPr lang="de-DE" sz="5900" kern="1200" dirty="0" err="1" smtClean="0"/>
+            <a:t>UrhWG</a:t>
+          </a:r>
+          <a:endParaRPr lang="de-DE" sz="5900" kern="1200" dirty="0"/>
+        </a:p>
+      </dsp:txBody>
+      <dsp:txXfrm>
+        <a:off x="73851" y="1664629"/>
+        <a:ext cx="3180426" cy="1365141"/>
+      </dsp:txXfrm>
+    </dsp:sp>
+    <dsp:sp modelId="{6098CE9B-D9A6-45DE-919A-A976FE4067C5}">
+      <dsp:nvSpPr>
+        <dsp:cNvPr id="0" name=""/>
+        <dsp:cNvSpPr/>
+      </dsp:nvSpPr>
+      <dsp:spPr>
+        <a:xfrm rot="5400000">
+          <a:off x="5681326" y="977349"/>
+          <a:ext cx="1210275" cy="5916672"/>
+        </a:xfrm>
+        <a:prstGeom prst="round2SameRect">
+          <a:avLst/>
+        </a:prstGeom>
+        <a:solidFill>
+          <a:schemeClr val="accent1">
+            <a:alpha val="90000"/>
+            <a:tint val="40000"/>
+            <a:hueOff val="0"/>
+            <a:satOff val="0"/>
+            <a:lumOff val="0"/>
+            <a:alphaOff val="0"/>
+          </a:schemeClr>
+        </a:solidFill>
+        <a:ln w="19050" cap="rnd" cmpd="sng" algn="ctr">
+          <a:solidFill>
+            <a:schemeClr val="accent1">
+              <a:alpha val="90000"/>
+              <a:tint val="40000"/>
+              <a:hueOff val="0"/>
+              <a:satOff val="0"/>
+              <a:lumOff val="0"/>
+              <a:alphaOff val="0"/>
+            </a:schemeClr>
+          </a:solidFill>
+          <a:prstDash val="solid"/>
+        </a:ln>
+        <a:effectLst/>
+      </dsp:spPr>
+      <dsp:style>
+        <a:lnRef idx="2">
+          <a:scrgbClr r="0" g="0" b="0"/>
+        </a:lnRef>
+        <a:fillRef idx="1">
+          <a:scrgbClr r="0" g="0" b="0"/>
+        </a:fillRef>
+        <a:effectRef idx="0">
+          <a:scrgbClr r="0" g="0" b="0"/>
+        </a:effectRef>
+        <a:fontRef idx="minor"/>
+      </dsp:style>
+      <dsp:txBody>
+        <a:bodyPr spcFirstLastPara="0" vert="horz" wrap="square" lIns="83820" tIns="41910" rIns="83820" bIns="41910" numCol="1" spcCol="1270" anchor="ctr" anchorCtr="0">
+          <a:noAutofit/>
+        </a:bodyPr>
+        <a:lstStyle/>
+        <a:p>
+          <a:pPr marL="228600" lvl="1" indent="-228600" algn="l" defTabSz="977900">
+            <a:lnSpc>
+              <a:spcPct val="90000"/>
+            </a:lnSpc>
+            <a:spcBef>
+              <a:spcPct val="0"/>
+            </a:spcBef>
+            <a:spcAft>
+              <a:spcPct val="15000"/>
+            </a:spcAft>
+            <a:buChar char="••"/>
+          </a:pPr>
+          <a:r>
+            <a:rPr lang="de-DE" sz="2200" kern="1200" dirty="0" err="1" smtClean="0"/>
+            <a:t>Verwertungsgesellschaftengesetz</a:t>
+          </a:r>
+          <a:endParaRPr lang="de-DE" sz="2200" kern="1200" dirty="0"/>
+        </a:p>
+        <a:p>
+          <a:pPr marL="228600" lvl="1" indent="-228600" algn="l" defTabSz="977900">
+            <a:lnSpc>
+              <a:spcPct val="90000"/>
+            </a:lnSpc>
+            <a:spcBef>
+              <a:spcPct val="0"/>
+            </a:spcBef>
+            <a:spcAft>
+              <a:spcPct val="15000"/>
+            </a:spcAft>
+            <a:buChar char="••"/>
+          </a:pPr>
+          <a:r>
+            <a:rPr lang="de-DE" sz="2200" kern="1200" dirty="0" smtClean="0"/>
+            <a:t>Ab 1. Juni 2016</a:t>
+          </a:r>
+          <a:endParaRPr lang="de-DE" sz="2200" kern="1200" dirty="0"/>
+        </a:p>
+      </dsp:txBody>
+      <dsp:txXfrm rot="-5400000">
+        <a:off x="3328128" y="3389629"/>
+        <a:ext cx="5857591" cy="1092113"/>
+      </dsp:txXfrm>
+    </dsp:sp>
+    <dsp:sp modelId="{1F3E1341-A040-4170-99B0-FA3BC1E38AD7}">
+      <dsp:nvSpPr>
+        <dsp:cNvPr id="0" name=""/>
+        <dsp:cNvSpPr/>
+      </dsp:nvSpPr>
+      <dsp:spPr>
+        <a:xfrm>
+          <a:off x="0" y="3179264"/>
+          <a:ext cx="3328128" cy="1512843"/>
+        </a:xfrm>
+        <a:prstGeom prst="roundRect">
+          <a:avLst/>
+        </a:prstGeom>
+        <a:solidFill>
+          <a:schemeClr val="accent1">
+            <a:hueOff val="0"/>
+            <a:satOff val="0"/>
+            <a:lumOff val="0"/>
+            <a:alphaOff val="0"/>
+          </a:schemeClr>
+        </a:solidFill>
+        <a:ln w="19050" cap="rnd" cmpd="sng" algn="ctr">
+          <a:solidFill>
+            <a:schemeClr val="lt1">
+              <a:hueOff val="0"/>
+              <a:satOff val="0"/>
+              <a:lumOff val="0"/>
+              <a:alphaOff val="0"/>
+            </a:schemeClr>
+          </a:solidFill>
+          <a:prstDash val="solid"/>
+        </a:ln>
+        <a:effectLst/>
+      </dsp:spPr>
+      <dsp:style>
+        <a:lnRef idx="2">
+          <a:scrgbClr r="0" g="0" b="0"/>
+        </a:lnRef>
+        <a:fillRef idx="1">
+          <a:scrgbClr r="0" g="0" b="0"/>
+        </a:fillRef>
+        <a:effectRef idx="0">
+          <a:scrgbClr r="0" g="0" b="0"/>
+        </a:effectRef>
+        <a:fontRef idx="minor">
+          <a:schemeClr val="lt1"/>
+        </a:fontRef>
+      </dsp:style>
+      <dsp:txBody>
+        <a:bodyPr spcFirstLastPara="0" vert="horz" wrap="square" lIns="224790" tIns="112395" rIns="224790" bIns="112395" numCol="1" spcCol="1270" anchor="ctr" anchorCtr="0">
+          <a:noAutofit/>
+        </a:bodyPr>
+        <a:lstStyle/>
+        <a:p>
+          <a:pPr lvl="0" algn="ctr" defTabSz="2622550">
+            <a:lnSpc>
+              <a:spcPct val="90000"/>
+            </a:lnSpc>
+            <a:spcBef>
+              <a:spcPct val="0"/>
+            </a:spcBef>
+            <a:spcAft>
+              <a:spcPct val="35000"/>
+            </a:spcAft>
+          </a:pPr>
+          <a:r>
+            <a:rPr lang="de-DE" sz="5900" kern="1200" dirty="0" smtClean="0"/>
+            <a:t>VGG</a:t>
+          </a:r>
+          <a:endParaRPr lang="de-DE" sz="5900" kern="1200" dirty="0"/>
+        </a:p>
+      </dsp:txBody>
+      <dsp:txXfrm>
+        <a:off x="73851" y="3253115"/>
+        <a:ext cx="3180426" cy="1365141"/>
+      </dsp:txXfrm>
+    </dsp:sp>
   </dsp:spTree>
 </dsp:drawing>
 </file>
@@ -6437,6 +8586,641 @@
       <dsp:cNvGrpSpPr/>
     </dsp:nvGrpSpPr>
     <dsp:grpSpPr/>
+    <dsp:sp modelId="{E1E5ABEF-32EC-433D-95BB-704B93D0AF20}">
+      <dsp:nvSpPr>
+        <dsp:cNvPr id="0" name=""/>
+        <dsp:cNvSpPr/>
+      </dsp:nvSpPr>
+      <dsp:spPr>
+        <a:xfrm>
+          <a:off x="2889" y="98391"/>
+          <a:ext cx="2816774" cy="633600"/>
+        </a:xfrm>
+        <a:prstGeom prst="rect">
+          <a:avLst/>
+        </a:prstGeom>
+        <a:solidFill>
+          <a:schemeClr val="accent1">
+            <a:hueOff val="0"/>
+            <a:satOff val="0"/>
+            <a:lumOff val="0"/>
+            <a:alphaOff val="0"/>
+          </a:schemeClr>
+        </a:solidFill>
+        <a:ln w="19050" cap="rnd" cmpd="sng" algn="ctr">
+          <a:solidFill>
+            <a:schemeClr val="accent1">
+              <a:hueOff val="0"/>
+              <a:satOff val="0"/>
+              <a:lumOff val="0"/>
+              <a:alphaOff val="0"/>
+            </a:schemeClr>
+          </a:solidFill>
+          <a:prstDash val="solid"/>
+        </a:ln>
+        <a:effectLst/>
+      </dsp:spPr>
+      <dsp:style>
+        <a:lnRef idx="2">
+          <a:scrgbClr r="0" g="0" b="0"/>
+        </a:lnRef>
+        <a:fillRef idx="1">
+          <a:scrgbClr r="0" g="0" b="0"/>
+        </a:fillRef>
+        <a:effectRef idx="0">
+          <a:scrgbClr r="0" g="0" b="0"/>
+        </a:effectRef>
+        <a:fontRef idx="minor">
+          <a:schemeClr val="lt1"/>
+        </a:fontRef>
+      </dsp:style>
+      <dsp:txBody>
+        <a:bodyPr spcFirstLastPara="0" vert="horz" wrap="square" lIns="156464" tIns="89408" rIns="156464" bIns="89408" numCol="1" spcCol="1270" anchor="ctr" anchorCtr="0">
+          <a:noAutofit/>
+        </a:bodyPr>
+        <a:lstStyle/>
+        <a:p>
+          <a:pPr lvl="0" algn="ctr" defTabSz="977900">
+            <a:lnSpc>
+              <a:spcPct val="90000"/>
+            </a:lnSpc>
+            <a:spcBef>
+              <a:spcPct val="0"/>
+            </a:spcBef>
+            <a:spcAft>
+              <a:spcPct val="35000"/>
+            </a:spcAft>
+          </a:pPr>
+          <a:r>
+            <a:rPr lang="de-DE" sz="2200" kern="1200" dirty="0" smtClean="0"/>
+            <a:t>Unterlassung</a:t>
+          </a:r>
+          <a:endParaRPr lang="de-DE" sz="2200" kern="1200" dirty="0"/>
+        </a:p>
+      </dsp:txBody>
+      <dsp:txXfrm>
+        <a:off x="2889" y="98391"/>
+        <a:ext cx="2816774" cy="633600"/>
+      </dsp:txXfrm>
+    </dsp:sp>
+    <dsp:sp modelId="{82EC25B9-AEB0-4E75-8D59-98364ED6D3AB}">
+      <dsp:nvSpPr>
+        <dsp:cNvPr id="0" name=""/>
+        <dsp:cNvSpPr/>
+      </dsp:nvSpPr>
+      <dsp:spPr>
+        <a:xfrm>
+          <a:off x="2889" y="731991"/>
+          <a:ext cx="2816774" cy="3864016"/>
+        </a:xfrm>
+        <a:prstGeom prst="rect">
+          <a:avLst/>
+        </a:prstGeom>
+        <a:solidFill>
+          <a:schemeClr val="accent1">
+            <a:alpha val="90000"/>
+            <a:tint val="40000"/>
+            <a:hueOff val="0"/>
+            <a:satOff val="0"/>
+            <a:lumOff val="0"/>
+            <a:alphaOff val="0"/>
+          </a:schemeClr>
+        </a:solidFill>
+        <a:ln w="19050" cap="rnd" cmpd="sng" algn="ctr">
+          <a:solidFill>
+            <a:schemeClr val="accent1">
+              <a:alpha val="90000"/>
+              <a:tint val="40000"/>
+              <a:hueOff val="0"/>
+              <a:satOff val="0"/>
+              <a:lumOff val="0"/>
+              <a:alphaOff val="0"/>
+            </a:schemeClr>
+          </a:solidFill>
+          <a:prstDash val="solid"/>
+        </a:ln>
+        <a:effectLst/>
+      </dsp:spPr>
+      <dsp:style>
+        <a:lnRef idx="2">
+          <a:scrgbClr r="0" g="0" b="0"/>
+        </a:lnRef>
+        <a:fillRef idx="1">
+          <a:scrgbClr r="0" g="0" b="0"/>
+        </a:fillRef>
+        <a:effectRef idx="0">
+          <a:scrgbClr r="0" g="0" b="0"/>
+        </a:effectRef>
+        <a:fontRef idx="minor"/>
+      </dsp:style>
+      <dsp:txBody>
+        <a:bodyPr spcFirstLastPara="0" vert="horz" wrap="square" lIns="117348" tIns="117348" rIns="156464" bIns="176022" numCol="1" spcCol="1270" anchor="t" anchorCtr="0">
+          <a:noAutofit/>
+        </a:bodyPr>
+        <a:lstStyle/>
+        <a:p>
+          <a:pPr marL="228600" lvl="1" indent="-228600" algn="l" defTabSz="977900">
+            <a:lnSpc>
+              <a:spcPct val="90000"/>
+            </a:lnSpc>
+            <a:spcBef>
+              <a:spcPct val="0"/>
+            </a:spcBef>
+            <a:spcAft>
+              <a:spcPct val="15000"/>
+            </a:spcAft>
+            <a:buChar char="••"/>
+          </a:pPr>
+          <a:r>
+            <a:rPr lang="de-DE" sz="2200" kern="1200" dirty="0" smtClean="0"/>
+            <a:t>YouTube als </a:t>
+          </a:r>
+          <a:r>
+            <a:rPr lang="de-DE" sz="2200" kern="1200" dirty="0" err="1" smtClean="0"/>
+            <a:t>Störhafter</a:t>
+          </a:r>
+          <a:r>
+            <a:rPr lang="de-DE" sz="2200" kern="1200" dirty="0" smtClean="0"/>
+            <a:t> </a:t>
+          </a:r>
+          <a:r>
+            <a:rPr lang="de-DE" sz="2200" kern="1200" dirty="0" err="1" smtClean="0"/>
+            <a:t>veruteilt</a:t>
+          </a:r>
+          <a:endParaRPr lang="de-DE" sz="2200" kern="1200" dirty="0"/>
+        </a:p>
+        <a:p>
+          <a:pPr marL="228600" lvl="1" indent="-228600" algn="l" defTabSz="977900">
+            <a:lnSpc>
+              <a:spcPct val="90000"/>
+            </a:lnSpc>
+            <a:spcBef>
+              <a:spcPct val="0"/>
+            </a:spcBef>
+            <a:spcAft>
+              <a:spcPct val="15000"/>
+            </a:spcAft>
+            <a:buChar char="••"/>
+          </a:pPr>
+          <a:r>
+            <a:rPr lang="de-DE" sz="2200" kern="1200" dirty="0" smtClean="0"/>
+            <a:t>Einsatz von Content ID Filters</a:t>
+          </a:r>
+          <a:endParaRPr lang="de-DE" sz="2200" kern="1200" dirty="0"/>
+        </a:p>
+        <a:p>
+          <a:pPr marL="228600" lvl="1" indent="-228600" algn="l" defTabSz="977900">
+            <a:lnSpc>
+              <a:spcPct val="90000"/>
+            </a:lnSpc>
+            <a:spcBef>
+              <a:spcPct val="0"/>
+            </a:spcBef>
+            <a:spcAft>
+              <a:spcPct val="15000"/>
+            </a:spcAft>
+            <a:buChar char="••"/>
+          </a:pPr>
+          <a:r>
+            <a:rPr lang="de-DE" sz="2200" kern="1200" dirty="0" smtClean="0"/>
+            <a:t>Sperren von lizenzpflichtigen Werken</a:t>
+          </a:r>
+          <a:endParaRPr lang="de-DE" sz="2200" kern="1200" dirty="0"/>
+        </a:p>
+      </dsp:txBody>
+      <dsp:txXfrm>
+        <a:off x="2889" y="731991"/>
+        <a:ext cx="2816774" cy="3864016"/>
+      </dsp:txXfrm>
+    </dsp:sp>
+    <dsp:sp modelId="{8338512F-4F26-4C6F-AFF7-3750D13D284C}">
+      <dsp:nvSpPr>
+        <dsp:cNvPr id="0" name=""/>
+        <dsp:cNvSpPr/>
+      </dsp:nvSpPr>
+      <dsp:spPr>
+        <a:xfrm>
+          <a:off x="3214012" y="98391"/>
+          <a:ext cx="2816774" cy="633600"/>
+        </a:xfrm>
+        <a:prstGeom prst="rect">
+          <a:avLst/>
+        </a:prstGeom>
+        <a:solidFill>
+          <a:schemeClr val="accent1">
+            <a:hueOff val="0"/>
+            <a:satOff val="0"/>
+            <a:lumOff val="0"/>
+            <a:alphaOff val="0"/>
+          </a:schemeClr>
+        </a:solidFill>
+        <a:ln w="19050" cap="rnd" cmpd="sng" algn="ctr">
+          <a:solidFill>
+            <a:schemeClr val="accent1">
+              <a:hueOff val="0"/>
+              <a:satOff val="0"/>
+              <a:lumOff val="0"/>
+              <a:alphaOff val="0"/>
+            </a:schemeClr>
+          </a:solidFill>
+          <a:prstDash val="solid"/>
+        </a:ln>
+        <a:effectLst/>
+      </dsp:spPr>
+      <dsp:style>
+        <a:lnRef idx="2">
+          <a:scrgbClr r="0" g="0" b="0"/>
+        </a:lnRef>
+        <a:fillRef idx="1">
+          <a:scrgbClr r="0" g="0" b="0"/>
+        </a:fillRef>
+        <a:effectRef idx="0">
+          <a:scrgbClr r="0" g="0" b="0"/>
+        </a:effectRef>
+        <a:fontRef idx="minor">
+          <a:schemeClr val="lt1"/>
+        </a:fontRef>
+      </dsp:style>
+      <dsp:txBody>
+        <a:bodyPr spcFirstLastPara="0" vert="horz" wrap="square" lIns="156464" tIns="89408" rIns="156464" bIns="89408" numCol="1" spcCol="1270" anchor="ctr" anchorCtr="0">
+          <a:noAutofit/>
+        </a:bodyPr>
+        <a:lstStyle/>
+        <a:p>
+          <a:pPr lvl="0" algn="ctr" defTabSz="977900">
+            <a:lnSpc>
+              <a:spcPct val="90000"/>
+            </a:lnSpc>
+            <a:spcBef>
+              <a:spcPct val="0"/>
+            </a:spcBef>
+            <a:spcAft>
+              <a:spcPct val="35000"/>
+            </a:spcAft>
+          </a:pPr>
+          <a:r>
+            <a:rPr lang="de-DE" sz="2200" kern="1200" dirty="0" smtClean="0"/>
+            <a:t>Schadenersatz</a:t>
+          </a:r>
+          <a:endParaRPr lang="de-DE" sz="2200" kern="1200" dirty="0"/>
+        </a:p>
+      </dsp:txBody>
+      <dsp:txXfrm>
+        <a:off x="3214012" y="98391"/>
+        <a:ext cx="2816774" cy="633600"/>
+      </dsp:txXfrm>
+    </dsp:sp>
+    <dsp:sp modelId="{1F162370-80CD-4559-9290-2107E36B9CE1}">
+      <dsp:nvSpPr>
+        <dsp:cNvPr id="0" name=""/>
+        <dsp:cNvSpPr/>
+      </dsp:nvSpPr>
+      <dsp:spPr>
+        <a:xfrm>
+          <a:off x="3214012" y="731991"/>
+          <a:ext cx="2816774" cy="3864016"/>
+        </a:xfrm>
+        <a:prstGeom prst="rect">
+          <a:avLst/>
+        </a:prstGeom>
+        <a:solidFill>
+          <a:schemeClr val="accent1">
+            <a:alpha val="90000"/>
+            <a:tint val="40000"/>
+            <a:hueOff val="0"/>
+            <a:satOff val="0"/>
+            <a:lumOff val="0"/>
+            <a:alphaOff val="0"/>
+          </a:schemeClr>
+        </a:solidFill>
+        <a:ln w="19050" cap="rnd" cmpd="sng" algn="ctr">
+          <a:solidFill>
+            <a:schemeClr val="accent1">
+              <a:alpha val="90000"/>
+              <a:tint val="40000"/>
+              <a:hueOff val="0"/>
+              <a:satOff val="0"/>
+              <a:lumOff val="0"/>
+              <a:alphaOff val="0"/>
+            </a:schemeClr>
+          </a:solidFill>
+          <a:prstDash val="solid"/>
+        </a:ln>
+        <a:effectLst/>
+      </dsp:spPr>
+      <dsp:style>
+        <a:lnRef idx="2">
+          <a:scrgbClr r="0" g="0" b="0"/>
+        </a:lnRef>
+        <a:fillRef idx="1">
+          <a:scrgbClr r="0" g="0" b="0"/>
+        </a:fillRef>
+        <a:effectRef idx="0">
+          <a:scrgbClr r="0" g="0" b="0"/>
+        </a:effectRef>
+        <a:fontRef idx="minor"/>
+      </dsp:style>
+      <dsp:txBody>
+        <a:bodyPr spcFirstLastPara="0" vert="horz" wrap="square" lIns="117348" tIns="117348" rIns="156464" bIns="176022" numCol="1" spcCol="1270" anchor="t" anchorCtr="0">
+          <a:noAutofit/>
+        </a:bodyPr>
+        <a:lstStyle/>
+        <a:p>
+          <a:pPr marL="228600" lvl="1" indent="-228600" algn="l" defTabSz="977900">
+            <a:lnSpc>
+              <a:spcPct val="90000"/>
+            </a:lnSpc>
+            <a:spcBef>
+              <a:spcPct val="0"/>
+            </a:spcBef>
+            <a:spcAft>
+              <a:spcPct val="15000"/>
+            </a:spcAft>
+            <a:buChar char="••"/>
+          </a:pPr>
+          <a:r>
+            <a:rPr lang="de-DE" sz="2200" kern="1200" dirty="0" smtClean="0"/>
+            <a:t>0,375 Cent pro Stream erwartet</a:t>
+          </a:r>
+          <a:endParaRPr lang="de-DE" sz="2200" kern="1200" dirty="0"/>
+        </a:p>
+        <a:p>
+          <a:pPr marL="228600" lvl="1" indent="-228600" algn="l" defTabSz="977900">
+            <a:lnSpc>
+              <a:spcPct val="90000"/>
+            </a:lnSpc>
+            <a:spcBef>
+              <a:spcPct val="0"/>
+            </a:spcBef>
+            <a:spcAft>
+              <a:spcPct val="15000"/>
+            </a:spcAft>
+            <a:buChar char="••"/>
+          </a:pPr>
+          <a:r>
+            <a:rPr lang="de-DE" sz="2200" kern="1200" dirty="0" smtClean="0"/>
+            <a:t>YouTube erzielt wirtschaftlichen Profit</a:t>
+          </a:r>
+          <a:endParaRPr lang="de-DE" sz="2200" kern="1200" dirty="0"/>
+        </a:p>
+        <a:p>
+          <a:pPr marL="228600" lvl="1" indent="-228600" algn="l" defTabSz="977900">
+            <a:lnSpc>
+              <a:spcPct val="90000"/>
+            </a:lnSpc>
+            <a:spcBef>
+              <a:spcPct val="0"/>
+            </a:spcBef>
+            <a:spcAft>
+              <a:spcPct val="15000"/>
+            </a:spcAft>
+            <a:buChar char="••"/>
+          </a:pPr>
+          <a:r>
+            <a:rPr lang="de-DE" sz="2200" kern="1200" dirty="0" smtClean="0"/>
+            <a:t>Gericht urteilt zugunsten von YouTube</a:t>
+          </a:r>
+          <a:endParaRPr lang="de-DE" sz="2200" kern="1200" dirty="0"/>
+        </a:p>
+        <a:p>
+          <a:pPr marL="228600" lvl="1" indent="-228600" algn="l" defTabSz="977900">
+            <a:lnSpc>
+              <a:spcPct val="90000"/>
+            </a:lnSpc>
+            <a:spcBef>
+              <a:spcPct val="0"/>
+            </a:spcBef>
+            <a:spcAft>
+              <a:spcPct val="15000"/>
+            </a:spcAft>
+            <a:buChar char="••"/>
+          </a:pPr>
+          <a:r>
+            <a:rPr lang="de-DE" sz="2200" kern="1200" dirty="0" smtClean="0"/>
+            <a:t>Nutzer selbst sind verantwortlich</a:t>
+          </a:r>
+          <a:endParaRPr lang="de-DE" sz="2200" kern="1200" dirty="0"/>
+        </a:p>
+      </dsp:txBody>
+      <dsp:txXfrm>
+        <a:off x="3214012" y="731991"/>
+        <a:ext cx="2816774" cy="3864016"/>
+      </dsp:txXfrm>
+    </dsp:sp>
+    <dsp:sp modelId="{310F234B-D803-4C55-BB38-17F55E347520}">
+      <dsp:nvSpPr>
+        <dsp:cNvPr id="0" name=""/>
+        <dsp:cNvSpPr/>
+      </dsp:nvSpPr>
+      <dsp:spPr>
+        <a:xfrm>
+          <a:off x="6425136" y="98391"/>
+          <a:ext cx="2816774" cy="633600"/>
+        </a:xfrm>
+        <a:prstGeom prst="rect">
+          <a:avLst/>
+        </a:prstGeom>
+        <a:solidFill>
+          <a:schemeClr val="accent1">
+            <a:hueOff val="0"/>
+            <a:satOff val="0"/>
+            <a:lumOff val="0"/>
+            <a:alphaOff val="0"/>
+          </a:schemeClr>
+        </a:solidFill>
+        <a:ln w="19050" cap="rnd" cmpd="sng" algn="ctr">
+          <a:solidFill>
+            <a:schemeClr val="accent1">
+              <a:hueOff val="0"/>
+              <a:satOff val="0"/>
+              <a:lumOff val="0"/>
+              <a:alphaOff val="0"/>
+            </a:schemeClr>
+          </a:solidFill>
+          <a:prstDash val="solid"/>
+        </a:ln>
+        <a:effectLst/>
+      </dsp:spPr>
+      <dsp:style>
+        <a:lnRef idx="2">
+          <a:scrgbClr r="0" g="0" b="0"/>
+        </a:lnRef>
+        <a:fillRef idx="1">
+          <a:scrgbClr r="0" g="0" b="0"/>
+        </a:fillRef>
+        <a:effectRef idx="0">
+          <a:scrgbClr r="0" g="0" b="0"/>
+        </a:effectRef>
+        <a:fontRef idx="minor">
+          <a:schemeClr val="lt1"/>
+        </a:fontRef>
+      </dsp:style>
+      <dsp:txBody>
+        <a:bodyPr spcFirstLastPara="0" vert="horz" wrap="square" lIns="156464" tIns="89408" rIns="156464" bIns="89408" numCol="1" spcCol="1270" anchor="ctr" anchorCtr="0">
+          <a:noAutofit/>
+        </a:bodyPr>
+        <a:lstStyle/>
+        <a:p>
+          <a:pPr lvl="0" algn="ctr" defTabSz="977900">
+            <a:lnSpc>
+              <a:spcPct val="90000"/>
+            </a:lnSpc>
+            <a:spcBef>
+              <a:spcPct val="0"/>
+            </a:spcBef>
+            <a:spcAft>
+              <a:spcPct val="35000"/>
+            </a:spcAft>
+          </a:pPr>
+          <a:r>
+            <a:rPr lang="de-DE" sz="2200" kern="1200" dirty="0" smtClean="0"/>
+            <a:t>Sperrtafeln</a:t>
+          </a:r>
+          <a:endParaRPr lang="de-DE" sz="2200" kern="1200" dirty="0"/>
+        </a:p>
+      </dsp:txBody>
+      <dsp:txXfrm>
+        <a:off x="6425136" y="98391"/>
+        <a:ext cx="2816774" cy="633600"/>
+      </dsp:txXfrm>
+    </dsp:sp>
+    <dsp:sp modelId="{108CDE68-479E-4734-8347-36BC16C3B20C}">
+      <dsp:nvSpPr>
+        <dsp:cNvPr id="0" name=""/>
+        <dsp:cNvSpPr/>
+      </dsp:nvSpPr>
+      <dsp:spPr>
+        <a:xfrm>
+          <a:off x="6425136" y="731991"/>
+          <a:ext cx="2816774" cy="3864016"/>
+        </a:xfrm>
+        <a:prstGeom prst="rect">
+          <a:avLst/>
+        </a:prstGeom>
+        <a:solidFill>
+          <a:schemeClr val="accent1">
+            <a:alpha val="90000"/>
+            <a:tint val="40000"/>
+            <a:hueOff val="0"/>
+            <a:satOff val="0"/>
+            <a:lumOff val="0"/>
+            <a:alphaOff val="0"/>
+          </a:schemeClr>
+        </a:solidFill>
+        <a:ln w="19050" cap="rnd" cmpd="sng" algn="ctr">
+          <a:solidFill>
+            <a:schemeClr val="accent1">
+              <a:alpha val="90000"/>
+              <a:tint val="40000"/>
+              <a:hueOff val="0"/>
+              <a:satOff val="0"/>
+              <a:lumOff val="0"/>
+              <a:alphaOff val="0"/>
+            </a:schemeClr>
+          </a:solidFill>
+          <a:prstDash val="solid"/>
+        </a:ln>
+        <a:effectLst/>
+      </dsp:spPr>
+      <dsp:style>
+        <a:lnRef idx="2">
+          <a:scrgbClr r="0" g="0" b="0"/>
+        </a:lnRef>
+        <a:fillRef idx="1">
+          <a:scrgbClr r="0" g="0" b="0"/>
+        </a:fillRef>
+        <a:effectRef idx="0">
+          <a:scrgbClr r="0" g="0" b="0"/>
+        </a:effectRef>
+        <a:fontRef idx="minor"/>
+      </dsp:style>
+      <dsp:txBody>
+        <a:bodyPr spcFirstLastPara="0" vert="horz" wrap="square" lIns="117348" tIns="117348" rIns="156464" bIns="176022" numCol="1" spcCol="1270" anchor="t" anchorCtr="0">
+          <a:noAutofit/>
+        </a:bodyPr>
+        <a:lstStyle/>
+        <a:p>
+          <a:pPr marL="228600" lvl="1" indent="-228600" algn="l" defTabSz="977900">
+            <a:lnSpc>
+              <a:spcPct val="90000"/>
+            </a:lnSpc>
+            <a:spcBef>
+              <a:spcPct val="0"/>
+            </a:spcBef>
+            <a:spcAft>
+              <a:spcPct val="15000"/>
+            </a:spcAft>
+            <a:buChar char="••"/>
+          </a:pPr>
+          <a:r>
+            <a:rPr lang="de-DE" sz="2200" kern="1200" dirty="0" smtClean="0"/>
+            <a:t>Irreführender Text</a:t>
+          </a:r>
+          <a:endParaRPr lang="de-DE" sz="2200" kern="1200" dirty="0"/>
+        </a:p>
+        <a:p>
+          <a:pPr marL="228600" lvl="1" indent="-228600" algn="l" defTabSz="977900">
+            <a:lnSpc>
+              <a:spcPct val="90000"/>
+            </a:lnSpc>
+            <a:spcBef>
+              <a:spcPct val="0"/>
+            </a:spcBef>
+            <a:spcAft>
+              <a:spcPct val="15000"/>
+            </a:spcAft>
+            <a:buChar char="••"/>
+          </a:pPr>
+          <a:r>
+            <a:rPr lang="de-DE" sz="2200" kern="1200" dirty="0" smtClean="0"/>
+            <a:t>Öffentlicher Druck auf die GEMA erhöht</a:t>
+          </a:r>
+          <a:endParaRPr lang="de-DE" sz="2200" kern="1200" dirty="0"/>
+        </a:p>
+        <a:p>
+          <a:pPr marL="228600" lvl="1" indent="-228600" algn="l" defTabSz="977900">
+            <a:lnSpc>
+              <a:spcPct val="90000"/>
+            </a:lnSpc>
+            <a:spcBef>
+              <a:spcPct val="0"/>
+            </a:spcBef>
+            <a:spcAft>
+              <a:spcPct val="15000"/>
+            </a:spcAft>
+            <a:buChar char="••"/>
+          </a:pPr>
+          <a:r>
+            <a:rPr lang="de-DE" sz="2200" kern="1200" dirty="0" smtClean="0"/>
+            <a:t>Gericht urteilt Sperrtafeln als Rechtswidrig</a:t>
+          </a:r>
+          <a:endParaRPr lang="de-DE" sz="2200" kern="1200" dirty="0"/>
+        </a:p>
+        <a:p>
+          <a:pPr marL="228600" lvl="1" indent="-228600" algn="l" defTabSz="977900">
+            <a:lnSpc>
+              <a:spcPct val="90000"/>
+            </a:lnSpc>
+            <a:spcBef>
+              <a:spcPct val="0"/>
+            </a:spcBef>
+            <a:spcAft>
+              <a:spcPct val="15000"/>
+            </a:spcAft>
+            <a:buChar char="••"/>
+          </a:pPr>
+          <a:r>
+            <a:rPr lang="de-DE" sz="2200" kern="1200" dirty="0" smtClean="0"/>
+            <a:t>YouTube schaltet neutrale Nachricht</a:t>
+          </a:r>
+          <a:endParaRPr lang="de-DE" sz="2200" kern="1200" dirty="0"/>
+        </a:p>
+      </dsp:txBody>
+      <dsp:txXfrm>
+        <a:off x="6425136" y="731991"/>
+        <a:ext cx="2816774" cy="3864016"/>
+      </dsp:txXfrm>
+    </dsp:sp>
   </dsp:spTree>
 </dsp:drawing>
 </file>
@@ -20179,7 +22963,15 @@
           <a:p>
             <a:r>
               <a:rPr lang="de-DE" sz="4400" dirty="0"/>
-              <a:t>Darstellung der Rechtslage der Einrichtung von GEMA-Gebühren am Beispiel YouTube</a:t>
+              <a:t>Darstellung der Rechtslage der </a:t>
+            </a:r>
+            <a:r>
+              <a:rPr lang="de-DE" sz="4400" dirty="0" smtClean="0"/>
+              <a:t>Entrichtung </a:t>
+            </a:r>
+            <a:r>
+              <a:rPr lang="de-DE" sz="4400" dirty="0"/>
+              <a:t>von GEMA-Gebühren am Beispiel YouTube</a:t>
             </a:r>
           </a:p>
         </p:txBody>
@@ -20258,6 +23050,13 @@
   <p:clrMapOvr>
     <a:masterClrMapping/>
   </p:clrMapOvr>
+  <p:timing>
+    <p:tnLst>
+      <p:par>
+        <p:cTn id="1" dur="indefinite" restart="never" nodeType="tmRoot"/>
+      </p:par>
+    </p:tnLst>
+  </p:timing>
 </p:sld>
 </file>
 
@@ -20831,6 +23630,13 @@
   <p:clrMapOvr>
     <a:masterClrMapping/>
   </p:clrMapOvr>
+  <p:timing>
+    <p:tnLst>
+      <p:par>
+        <p:cTn id="1" dur="indefinite" restart="never" nodeType="tmRoot"/>
+      </p:par>
+    </p:tnLst>
+  </p:timing>
 </p:sld>
 </file>
 
@@ -21081,6 +23887,13 @@
   <p:clrMapOvr>
     <a:masterClrMapping/>
   </p:clrMapOvr>
+  <p:timing>
+    <p:tnLst>
+      <p:par>
+        <p:cTn id="1" dur="indefinite" restart="never" nodeType="tmRoot"/>
+      </p:par>
+    </p:tnLst>
+  </p:timing>
 </p:sld>
 </file>
 
@@ -21248,6 +24061,13 @@
   <p:clrMapOvr>
     <a:masterClrMapping/>
   </p:clrMapOvr>
+  <p:timing>
+    <p:tnLst>
+      <p:par>
+        <p:cTn id="1" dur="indefinite" restart="never" nodeType="tmRoot"/>
+      </p:par>
+    </p:tnLst>
+  </p:timing>
 </p:sld>
 </file>
 
@@ -21614,6 +24434,13 @@
   <p:clrMapOvr>
     <a:masterClrMapping/>
   </p:clrMapOvr>
+  <p:timing>
+    <p:tnLst>
+      <p:par>
+        <p:cTn id="1" dur="indefinite" restart="never" nodeType="tmRoot"/>
+      </p:par>
+    </p:tnLst>
+  </p:timing>
 </p:sld>
 </file>
 
@@ -21796,6 +24623,13 @@
   <p:clrMapOvr>
     <a:masterClrMapping/>
   </p:clrMapOvr>
+  <p:timing>
+    <p:tnLst>
+      <p:par>
+        <p:cTn id="1" dur="indefinite" restart="never" nodeType="tmRoot"/>
+      </p:par>
+    </p:tnLst>
+  </p:timing>
 </p:sld>
 </file>
 
@@ -21978,6 +24812,13 @@
   <p:clrMapOvr>
     <a:masterClrMapping/>
   </p:clrMapOvr>
+  <p:timing>
+    <p:tnLst>
+      <p:par>
+        <p:cTn id="1" dur="indefinite" restart="never" nodeType="tmRoot"/>
+      </p:par>
+    </p:tnLst>
+  </p:timing>
 </p:sld>
 </file>
 
@@ -22168,6 +25009,13 @@
   <p:clrMapOvr>
     <a:masterClrMapping/>
   </p:clrMapOvr>
+  <p:timing>
+    <p:tnLst>
+      <p:par>
+        <p:cTn id="1" dur="indefinite" restart="never" nodeType="tmRoot"/>
+      </p:par>
+    </p:tnLst>
+  </p:timing>
 </p:sld>
 </file>
 
@@ -22351,6 +25199,13 @@
   <p:clrMapOvr>
     <a:masterClrMapping/>
   </p:clrMapOvr>
+  <p:timing>
+    <p:tnLst>
+      <p:par>
+        <p:cTn id="1" dur="indefinite" restart="never" nodeType="tmRoot"/>
+      </p:par>
+    </p:tnLst>
+  </p:timing>
 </p:sld>
 </file>
 
@@ -22542,6 +25397,13 @@
   <p:clrMapOvr>
     <a:masterClrMapping/>
   </p:clrMapOvr>
+  <p:timing>
+    <p:tnLst>
+      <p:par>
+        <p:cTn id="1" dur="indefinite" restart="never" nodeType="tmRoot"/>
+      </p:par>
+    </p:tnLst>
+  </p:timing>
 </p:sld>
 </file>
 
@@ -22725,6 +25587,13 @@
   <p:clrMapOvr>
     <a:masterClrMapping/>
   </p:clrMapOvr>
+  <p:timing>
+    <p:tnLst>
+      <p:par>
+        <p:cTn id="1" dur="indefinite" restart="never" nodeType="tmRoot"/>
+      </p:par>
+    </p:tnLst>
+  </p:timing>
 </p:sld>
 </file>
 
@@ -22916,6 +25785,13 @@
   <p:clrMapOvr>
     <a:masterClrMapping/>
   </p:clrMapOvr>
+  <p:timing>
+    <p:tnLst>
+      <p:par>
+        <p:cTn id="1" dur="indefinite" restart="never" nodeType="tmRoot"/>
+      </p:par>
+    </p:tnLst>
+  </p:timing>
 </p:sld>
 </file>
 
